--- a/security_arcitecture_design_askhseis/Threat_Modeling_Presentation.pptx
+++ b/security_arcitecture_design_askhseis/Threat_Modeling_Presentation.pptx
@@ -24100,7 +24100,7 @@
           <a:p>
             <a:fld id="{5BCAD085-E8A6-8845-BD4E-CB4CCA059FC4}" type="datetimeFigureOut">
               <a:rPr lang="en-US" smtClean="0"/>
-              <a:t>3/1/2025</a:t>
+              <a:t>3/2/2025</a:t>
             </a:fld>
             <a:endParaRPr lang="en-US"/>
           </a:p>
@@ -24387,7 +24387,7 @@
           <a:p>
             <a:fld id="{5BCAD085-E8A6-8845-BD4E-CB4CCA059FC4}" type="datetimeFigureOut">
               <a:rPr lang="en-US" smtClean="0"/>
-              <a:t>3/1/2025</a:t>
+              <a:t>3/2/2025</a:t>
             </a:fld>
             <a:endParaRPr lang="en-US"/>
           </a:p>
@@ -24579,7 +24579,7 @@
           <a:p>
             <a:fld id="{5BCAD085-E8A6-8845-BD4E-CB4CCA059FC4}" type="datetimeFigureOut">
               <a:rPr lang="en-US" smtClean="0"/>
-              <a:t>3/1/2025</a:t>
+              <a:t>3/2/2025</a:t>
             </a:fld>
             <a:endParaRPr lang="en-US"/>
           </a:p>
@@ -24840,7 +24840,7 @@
           <a:p>
             <a:fld id="{5BCAD085-E8A6-8845-BD4E-CB4CCA059FC4}" type="datetimeFigureOut">
               <a:rPr lang="en-US" smtClean="0"/>
-              <a:t>3/1/2025</a:t>
+              <a:t>3/2/2025</a:t>
             </a:fld>
             <a:endParaRPr lang="en-US"/>
           </a:p>
@@ -25264,7 +25264,7 @@
           <a:p>
             <a:fld id="{5BCAD085-E8A6-8845-BD4E-CB4CCA059FC4}" type="datetimeFigureOut">
               <a:rPr lang="en-US" smtClean="0"/>
-              <a:t>3/1/2025</a:t>
+              <a:t>3/2/2025</a:t>
             </a:fld>
             <a:endParaRPr lang="en-US"/>
           </a:p>
@@ -25810,7 +25810,7 @@
           <a:p>
             <a:fld id="{5BCAD085-E8A6-8845-BD4E-CB4CCA059FC4}" type="datetimeFigureOut">
               <a:rPr lang="en-US" smtClean="0"/>
-              <a:t>3/1/2025</a:t>
+              <a:t>3/2/2025</a:t>
             </a:fld>
             <a:endParaRPr lang="en-US"/>
           </a:p>
@@ -26650,7 +26650,7 @@
           <a:p>
             <a:fld id="{5BCAD085-E8A6-8845-BD4E-CB4CCA059FC4}" type="datetimeFigureOut">
               <a:rPr lang="en-US" smtClean="0"/>
-              <a:t>3/1/2025</a:t>
+              <a:t>3/2/2025</a:t>
             </a:fld>
             <a:endParaRPr lang="en-US"/>
           </a:p>
@@ -26820,7 +26820,7 @@
           <a:p>
             <a:fld id="{5BCAD085-E8A6-8845-BD4E-CB4CCA059FC4}" type="datetimeFigureOut">
               <a:rPr lang="en-US" smtClean="0"/>
-              <a:t>3/1/2025</a:t>
+              <a:t>3/2/2025</a:t>
             </a:fld>
             <a:endParaRPr lang="en-US"/>
           </a:p>
@@ -27004,7 +27004,7 @@
           <a:p>
             <a:fld id="{5BCAD085-E8A6-8845-BD4E-CB4CCA059FC4}" type="datetimeFigureOut">
               <a:rPr lang="en-US" smtClean="0"/>
-              <a:t>3/1/2025</a:t>
+              <a:t>3/2/2025</a:t>
             </a:fld>
             <a:endParaRPr lang="en-US"/>
           </a:p>
@@ -27174,7 +27174,7 @@
           <a:p>
             <a:fld id="{5BCAD085-E8A6-8845-BD4E-CB4CCA059FC4}" type="datetimeFigureOut">
               <a:rPr lang="en-US" smtClean="0"/>
-              <a:t>3/1/2025</a:t>
+              <a:t>3/2/2025</a:t>
             </a:fld>
             <a:endParaRPr lang="en-US"/>
           </a:p>
@@ -27422,7 +27422,7 @@
           <a:p>
             <a:fld id="{5BCAD085-E8A6-8845-BD4E-CB4CCA059FC4}" type="datetimeFigureOut">
               <a:rPr lang="en-US" smtClean="0"/>
-              <a:t>3/1/2025</a:t>
+              <a:t>3/2/2025</a:t>
             </a:fld>
             <a:endParaRPr lang="en-US"/>
           </a:p>
@@ -27659,7 +27659,7 @@
           <a:p>
             <a:fld id="{5BCAD085-E8A6-8845-BD4E-CB4CCA059FC4}" type="datetimeFigureOut">
               <a:rPr lang="en-US" smtClean="0"/>
-              <a:t>3/1/2025</a:t>
+              <a:t>3/2/2025</a:t>
             </a:fld>
             <a:endParaRPr lang="en-US"/>
           </a:p>
@@ -28032,7 +28032,7 @@
           <a:p>
             <a:fld id="{5BCAD085-E8A6-8845-BD4E-CB4CCA059FC4}" type="datetimeFigureOut">
               <a:rPr lang="en-US" smtClean="0"/>
-              <a:t>3/1/2025</a:t>
+              <a:t>3/2/2025</a:t>
             </a:fld>
             <a:endParaRPr lang="en-US"/>
           </a:p>
@@ -28150,7 +28150,7 @@
           <a:p>
             <a:fld id="{5BCAD085-E8A6-8845-BD4E-CB4CCA059FC4}" type="datetimeFigureOut">
               <a:rPr lang="en-US" smtClean="0"/>
-              <a:t>3/1/2025</a:t>
+              <a:t>3/2/2025</a:t>
             </a:fld>
             <a:endParaRPr lang="en-US"/>
           </a:p>
@@ -28245,7 +28245,7 @@
           <a:p>
             <a:fld id="{5BCAD085-E8A6-8845-BD4E-CB4CCA059FC4}" type="datetimeFigureOut">
               <a:rPr lang="en-US" smtClean="0"/>
-              <a:t>3/1/2025</a:t>
+              <a:t>3/2/2025</a:t>
             </a:fld>
             <a:endParaRPr lang="en-US"/>
           </a:p>
@@ -28496,7 +28496,7 @@
           <a:p>
             <a:fld id="{5BCAD085-E8A6-8845-BD4E-CB4CCA059FC4}" type="datetimeFigureOut">
               <a:rPr lang="en-US" smtClean="0"/>
-              <a:t>3/1/2025</a:t>
+              <a:t>3/2/2025</a:t>
             </a:fld>
             <a:endParaRPr lang="en-US"/>
           </a:p>
@@ -28783,7 +28783,7 @@
           <a:p>
             <a:fld id="{5BCAD085-E8A6-8845-BD4E-CB4CCA059FC4}" type="datetimeFigureOut">
               <a:rPr lang="en-US" smtClean="0"/>
-              <a:t>3/1/2025</a:t>
+              <a:t>3/2/2025</a:t>
             </a:fld>
             <a:endParaRPr lang="en-US"/>
           </a:p>
@@ -28996,7 +28996,7 @@
           <a:p>
             <a:fld id="{5BCAD085-E8A6-8845-BD4E-CB4CCA059FC4}" type="datetimeFigureOut">
               <a:rPr lang="en-US" smtClean="0"/>
-              <a:t>3/1/2025</a:t>
+              <a:t>3/2/2025</a:t>
             </a:fld>
             <a:endParaRPr lang="en-US"/>
           </a:p>

--- a/security_arcitecture_design_askhseis/Threat_Modeling_Presentation.pptx
+++ b/security_arcitecture_design_askhseis/Threat_Modeling_Presentation.pptx
@@ -11,8 +11,8 @@
     <p:sldId id="270" r:id="rId5"/>
     <p:sldId id="268" r:id="rId6"/>
     <p:sldId id="260" r:id="rId7"/>
-    <p:sldId id="261" r:id="rId8"/>
-    <p:sldId id="271" r:id="rId9"/>
+    <p:sldId id="271" r:id="rId8"/>
+    <p:sldId id="261" r:id="rId9"/>
     <p:sldId id="262" r:id="rId10"/>
     <p:sldId id="264" r:id="rId11"/>
     <p:sldId id="272" r:id="rId12"/>
@@ -6427,7 +6427,7 @@
   <dgm:whole/>
   <dgm:extLst>
     <a:ext uri="http://schemas.microsoft.com/office/drawing/2008/diagram">
-      <dsp:dataModelExt xmlns:dsp="http://schemas.microsoft.com/office/drawing/2008/diagram" relId="rId7" minVer="http://schemas.openxmlformats.org/drawingml/2006/diagram"/>
+      <dsp:dataModelExt xmlns:dsp="http://schemas.microsoft.com/office/drawing/2008/diagram" relId="rId6" minVer="http://schemas.openxmlformats.org/drawingml/2006/diagram"/>
     </a:ext>
   </dgm:extLst>
 </dgm:dataModel>
@@ -7099,7 +7099,7 @@
   <dgm:whole/>
   <dgm:extLst>
     <a:ext uri="http://schemas.microsoft.com/office/drawing/2008/diagram">
-      <dsp:dataModelExt xmlns:dsp="http://schemas.microsoft.com/office/drawing/2008/diagram" relId="rId7" minVer="http://schemas.openxmlformats.org/drawingml/2006/diagram"/>
+      <dsp:dataModelExt xmlns:dsp="http://schemas.microsoft.com/office/drawing/2008/diagram" relId="rId6" minVer="http://schemas.openxmlformats.org/drawingml/2006/diagram"/>
     </a:ext>
   </dgm:extLst>
 </dgm:dataModel>
@@ -7539,7 +7539,7 @@
   <dgm:whole/>
   <dgm:extLst>
     <a:ext uri="http://schemas.microsoft.com/office/drawing/2008/diagram">
-      <dsp:dataModelExt xmlns:dsp="http://schemas.microsoft.com/office/drawing/2008/diagram" relId="rId7" minVer="http://schemas.openxmlformats.org/drawingml/2006/diagram"/>
+      <dsp:dataModelExt xmlns:dsp="http://schemas.microsoft.com/office/drawing/2008/diagram" relId="rId6" minVer="http://schemas.openxmlformats.org/drawingml/2006/diagram"/>
     </a:ext>
   </dgm:extLst>
 </dgm:dataModel>
@@ -7925,7 +7925,7 @@
   <dgm:whole/>
   <dgm:extLst>
     <a:ext uri="http://schemas.microsoft.com/office/drawing/2008/diagram">
-      <dsp:dataModelExt xmlns:dsp="http://schemas.microsoft.com/office/drawing/2008/diagram" relId="rId7" minVer="http://schemas.openxmlformats.org/drawingml/2006/diagram"/>
+      <dsp:dataModelExt xmlns:dsp="http://schemas.microsoft.com/office/drawing/2008/diagram" relId="rId6" minVer="http://schemas.openxmlformats.org/drawingml/2006/diagram"/>
     </a:ext>
   </dgm:extLst>
 </dgm:dataModel>
@@ -7935,7 +7935,7 @@
 <dgm:dataModel xmlns:dgm="http://schemas.openxmlformats.org/drawingml/2006/diagram" xmlns:a="http://schemas.openxmlformats.org/drawingml/2006/main">
   <dgm:ptLst>
     <dgm:pt modelId="{D2E8018E-2075-40E5-8850-47E84B725A7D}" type="doc">
-      <dgm:prSet loTypeId="urn:microsoft.com/office/officeart/2008/layout/LinedList" loCatId="list" qsTypeId="urn:microsoft.com/office/officeart/2005/8/quickstyle/simple1" qsCatId="simple" csTypeId="urn:microsoft.com/office/officeart/2005/8/colors/colorful1" csCatId="colorful"/>
+      <dgm:prSet loTypeId="urn:microsoft.com/office/officeart/2008/layout/LinedList" loCatId="list" qsTypeId="urn:microsoft.com/office/officeart/2005/8/quickstyle/simple1" qsCatId="simple" csTypeId="urn:microsoft.com/office/officeart/2005/8/colors/colorful1" csCatId="colorful" phldr="1"/>
       <dgm:spPr/>
       <dgm:t>
         <a:bodyPr/>
@@ -7953,8 +7953,8 @@
         <a:lstStyle/>
         <a:p>
           <a:r>
-            <a:rPr lang="en-US"/>
-            <a:t>• Damage Potential (D): Impact on data &amp; operations</a:t>
+            <a:rPr lang="en-US" dirty="0"/>
+            <a:t>Damage Potential (D): Impact on data &amp; operations</a:t>
           </a:r>
         </a:p>
       </dgm:t>
@@ -7989,8 +7989,8 @@
         <a:lstStyle/>
         <a:p>
           <a:r>
-            <a:rPr lang="en-US"/>
-            <a:t>• Reproducibility (R): How easy the attack can be repeated</a:t>
+            <a:rPr lang="en-US" dirty="0"/>
+            <a:t>Reproducibility (R): How easy the attack can be repeated</a:t>
           </a:r>
         </a:p>
       </dgm:t>
@@ -8025,8 +8025,8 @@
         <a:lstStyle/>
         <a:p>
           <a:r>
-            <a:rPr lang="en-US"/>
-            <a:t>• Exploitability (E): Difficulty of executing the attack</a:t>
+            <a:rPr lang="en-US" dirty="0"/>
+            <a:t>Exploitability (E): Difficulty of executing the attack</a:t>
           </a:r>
         </a:p>
       </dgm:t>
@@ -8061,8 +8061,8 @@
         <a:lstStyle/>
         <a:p>
           <a:r>
-            <a:rPr lang="en-US"/>
-            <a:t>• Affected Users (A): Number of users impacted</a:t>
+            <a:rPr lang="en-US" dirty="0"/>
+            <a:t>Affected Users (A): Number of users impacted</a:t>
           </a:r>
         </a:p>
       </dgm:t>
@@ -8097,8 +8097,8 @@
         <a:lstStyle/>
         <a:p>
           <a:r>
-            <a:rPr lang="en-US"/>
-            <a:t>• Discoverability (D’): Likelihood of discovering the vulnerability</a:t>
+            <a:rPr lang="en-US" dirty="0"/>
+            <a:t>Discoverability (D’): Likelihood of discovering the vulnerability</a:t>
           </a:r>
         </a:p>
       </dgm:t>
@@ -8253,7 +8253,7 @@
   <dgm:whole/>
   <dgm:extLst>
     <a:ext uri="http://schemas.microsoft.com/office/drawing/2008/diagram">
-      <dsp:dataModelExt xmlns:dsp="http://schemas.microsoft.com/office/drawing/2008/diagram" relId="rId7" minVer="http://schemas.openxmlformats.org/drawingml/2006/diagram"/>
+      <dsp:dataModelExt xmlns:dsp="http://schemas.microsoft.com/office/drawing/2008/diagram" relId="rId6" minVer="http://schemas.openxmlformats.org/drawingml/2006/diagram"/>
     </a:ext>
   </dgm:extLst>
 </dgm:dataModel>
@@ -8282,7 +8282,7 @@
         <a:p>
           <a:r>
             <a:rPr lang="en-US" dirty="0"/>
-            <a:t>• Phase 1: Immediate Fixes (Critical and High Dread Score Threats)- Secure passwords, rate limiting, SQLi prevention, access control measures</a:t>
+            <a:t>Phase 1: Immediate Fixes (Critical and High Dread Score Threats)- Secure passwords, rate limiting, SQLi prevention, access control measures</a:t>
           </a:r>
         </a:p>
       </dgm:t>
@@ -8318,7 +8318,7 @@
         <a:p>
           <a:r>
             <a:rPr lang="en-US" dirty="0"/>
-            <a:t>• Phase 2: Hardening and Enhancements – MFA,  WAF</a:t>
+            <a:t>Phase 2: Hardening and Enhancements – MFA,  WAF</a:t>
           </a:r>
         </a:p>
       </dgm:t>
@@ -8354,7 +8354,7 @@
         <a:p>
           <a:r>
             <a:rPr lang="en-US" dirty="0"/>
-            <a:t>• Phase 3: Monitoring and Improvement- code revies, alerting, penetration testing and continuous improvements</a:t>
+            <a:t>Phase 3: Monitoring and Improvement- code revies, alerting, penetration testing and continuous improvements</a:t>
           </a:r>
         </a:p>
       </dgm:t>
@@ -8444,7 +8444,7 @@
   <dgm:whole/>
   <dgm:extLst>
     <a:ext uri="http://schemas.microsoft.com/office/drawing/2008/diagram">
-      <dsp:dataModelExt xmlns:dsp="http://schemas.microsoft.com/office/drawing/2008/diagram" relId="rId7" minVer="http://schemas.openxmlformats.org/drawingml/2006/diagram"/>
+      <dsp:dataModelExt xmlns:dsp="http://schemas.microsoft.com/office/drawing/2008/diagram" relId="rId6" minVer="http://schemas.openxmlformats.org/drawingml/2006/diagram"/>
     </a:ext>
   </dgm:extLst>
 </dgm:dataModel>
@@ -8454,7 +8454,7 @@
 <dgm:dataModel xmlns:dgm="http://schemas.openxmlformats.org/drawingml/2006/diagram" xmlns:a="http://schemas.openxmlformats.org/drawingml/2006/main">
   <dgm:ptLst>
     <dgm:pt modelId="{F3BA4C7B-5020-483E-90B2-BB53A9FEE20C}" type="doc">
-      <dgm:prSet loTypeId="urn:microsoft.com/office/officeart/2005/8/layout/vProcess5" loCatId="process" qsTypeId="urn:microsoft.com/office/officeart/2005/8/quickstyle/simple4" qsCatId="simple" csTypeId="urn:microsoft.com/office/officeart/2005/8/colors/colorful2" csCatId="colorful"/>
+      <dgm:prSet loTypeId="urn:microsoft.com/office/officeart/2005/8/layout/vProcess5" loCatId="process" qsTypeId="urn:microsoft.com/office/officeart/2005/8/quickstyle/simple4" qsCatId="simple" csTypeId="urn:microsoft.com/office/officeart/2005/8/colors/colorful2" csCatId="colorful" phldr="1"/>
       <dgm:spPr/>
       <dgm:t>
         <a:bodyPr/>
@@ -8472,8 +8472,8 @@
         <a:lstStyle/>
         <a:p>
           <a:r>
-            <a:rPr lang="en-US"/>
-            <a:t>• Comprehensive threat modeled an application using OWASP, STRIDE, and DREAD</a:t>
+            <a:rPr lang="en-US" dirty="0"/>
+            <a:t>Comprehensive threat modeled an application using OWASP, STRIDE, and DREAD</a:t>
           </a:r>
         </a:p>
       </dgm:t>
@@ -8508,8 +8508,8 @@
         <a:lstStyle/>
         <a:p>
           <a:r>
-            <a:rPr lang="en-US"/>
-            <a:t>• Prioritized risks based on severity</a:t>
+            <a:rPr lang="en-US" dirty="0"/>
+            <a:t>Prioritized risks based on severity</a:t>
           </a:r>
         </a:p>
       </dgm:t>
@@ -8544,8 +8544,8 @@
         <a:lstStyle/>
         <a:p>
           <a:r>
-            <a:rPr lang="en-US"/>
-            <a:t>• Applied OWASP ASVS controls for mitigation</a:t>
+            <a:rPr lang="en-US" dirty="0"/>
+            <a:t>Applied OWASP ASVS controls for mitigation</a:t>
           </a:r>
         </a:p>
       </dgm:t>
@@ -8580,8 +8580,8 @@
         <a:lstStyle/>
         <a:p>
           <a:r>
-            <a:rPr lang="en-US"/>
-            <a:t>• Implemented a phased security plan</a:t>
+            <a:rPr lang="en-US" dirty="0"/>
+            <a:t>Implemented a phased security plan</a:t>
           </a:r>
         </a:p>
       </dgm:t>
@@ -8747,7 +8747,7 @@
   <dgm:whole/>
   <dgm:extLst>
     <a:ext uri="http://schemas.microsoft.com/office/drawing/2008/diagram">
-      <dsp:dataModelExt xmlns:dsp="http://schemas.microsoft.com/office/drawing/2008/diagram" relId="rId7" minVer="http://schemas.openxmlformats.org/drawingml/2006/diagram"/>
+      <dsp:dataModelExt xmlns:dsp="http://schemas.microsoft.com/office/drawing/2008/diagram" relId="rId6" minVer="http://schemas.openxmlformats.org/drawingml/2006/diagram"/>
     </a:ext>
   </dgm:extLst>
 </dgm:dataModel>
@@ -11896,8 +11896,8 @@
             <a:buNone/>
           </a:pPr>
           <a:r>
-            <a:rPr lang="en-US" sz="2100" kern="1200"/>
-            <a:t>• Damage Potential (D): Impact on data &amp; operations</a:t>
+            <a:rPr lang="en-US" sz="2100" kern="1200" dirty="0"/>
+            <a:t>Damage Potential (D): Impact on data &amp; operations</a:t>
           </a:r>
         </a:p>
       </dsp:txBody>
@@ -12005,8 +12005,8 @@
             <a:buNone/>
           </a:pPr>
           <a:r>
-            <a:rPr lang="en-US" sz="2100" kern="1200"/>
-            <a:t>• Reproducibility (R): How easy the attack can be repeated</a:t>
+            <a:rPr lang="en-US" sz="2100" kern="1200" dirty="0"/>
+            <a:t>Reproducibility (R): How easy the attack can be repeated</a:t>
           </a:r>
         </a:p>
       </dsp:txBody>
@@ -12114,8 +12114,8 @@
             <a:buNone/>
           </a:pPr>
           <a:r>
-            <a:rPr lang="en-US" sz="2100" kern="1200"/>
-            <a:t>• Exploitability (E): Difficulty of executing the attack</a:t>
+            <a:rPr lang="en-US" sz="2100" kern="1200" dirty="0"/>
+            <a:t>Exploitability (E): Difficulty of executing the attack</a:t>
           </a:r>
         </a:p>
       </dsp:txBody>
@@ -12223,8 +12223,8 @@
             <a:buNone/>
           </a:pPr>
           <a:r>
-            <a:rPr lang="en-US" sz="2100" kern="1200"/>
-            <a:t>• Affected Users (A): Number of users impacted</a:t>
+            <a:rPr lang="en-US" sz="2100" kern="1200" dirty="0"/>
+            <a:t>Affected Users (A): Number of users impacted</a:t>
           </a:r>
         </a:p>
       </dsp:txBody>
@@ -12332,8 +12332,8 @@
             <a:buNone/>
           </a:pPr>
           <a:r>
-            <a:rPr lang="en-US" sz="2100" kern="1200"/>
-            <a:t>• Discoverability (D’): Likelihood of discovering the vulnerability</a:t>
+            <a:rPr lang="en-US" sz="2100" kern="1200" dirty="0"/>
+            <a:t>Discoverability (D’): Likelihood of discovering the vulnerability</a:t>
           </a:r>
         </a:p>
       </dsp:txBody>
@@ -12450,7 +12450,7 @@
           </a:pPr>
           <a:r>
             <a:rPr lang="en-US" sz="1900" kern="1200" dirty="0"/>
-            <a:t>• Phase 1: Immediate Fixes (Critical and High Dread Score Threats)- Secure passwords, rate limiting, SQLi prevention, access control measures</a:t>
+            <a:t>Phase 1: Immediate Fixes (Critical and High Dread Score Threats)- Secure passwords, rate limiting, SQLi prevention, access control measures</a:t>
           </a:r>
         </a:p>
       </dsp:txBody>
@@ -12555,7 +12555,7 @@
           </a:pPr>
           <a:r>
             <a:rPr lang="en-US" sz="1900" kern="1200" dirty="0"/>
-            <a:t>• Phase 2: Hardening and Enhancements – MFA,  WAF</a:t>
+            <a:t>Phase 2: Hardening and Enhancements – MFA,  WAF</a:t>
           </a:r>
         </a:p>
       </dsp:txBody>
@@ -12660,7 +12660,7 @@
           </a:pPr>
           <a:r>
             <a:rPr lang="en-US" sz="1900" kern="1200" dirty="0"/>
-            <a:t>• Phase 3: Monitoring and Improvement- code revies, alerting, penetration testing and continuous improvements</a:t>
+            <a:t>Phase 3: Monitoring and Improvement- code revies, alerting, penetration testing and continuous improvements</a:t>
           </a:r>
         </a:p>
       </dsp:txBody>
@@ -12778,8 +12778,8 @@
             <a:buNone/>
           </a:pPr>
           <a:r>
-            <a:rPr lang="en-US" sz="1900" kern="1200"/>
-            <a:t>• Comprehensive threat modeled an application using OWASP, STRIDE, and DREAD</a:t>
+            <a:rPr lang="en-US" sz="1900" kern="1200" dirty="0"/>
+            <a:t>Comprehensive threat modeled an application using OWASP, STRIDE, and DREAD</a:t>
           </a:r>
         </a:p>
       </dsp:txBody>
@@ -12885,8 +12885,8 @@
             <a:buNone/>
           </a:pPr>
           <a:r>
-            <a:rPr lang="en-US" sz="1900" kern="1200"/>
-            <a:t>• Prioritized risks based on severity</a:t>
+            <a:rPr lang="en-US" sz="1900" kern="1200" dirty="0"/>
+            <a:t>Prioritized risks based on severity</a:t>
           </a:r>
         </a:p>
       </dsp:txBody>
@@ -12992,8 +12992,8 @@
             <a:buNone/>
           </a:pPr>
           <a:r>
-            <a:rPr lang="en-US" sz="1900" kern="1200"/>
-            <a:t>• Applied OWASP ASVS controls for mitigation</a:t>
+            <a:rPr lang="en-US" sz="1900" kern="1200" dirty="0"/>
+            <a:t>Applied OWASP ASVS controls for mitigation</a:t>
           </a:r>
         </a:p>
       </dsp:txBody>
@@ -13099,8 +13099,8 @@
             <a:buNone/>
           </a:pPr>
           <a:r>
-            <a:rPr lang="en-US" sz="1900" kern="1200"/>
-            <a:t>• Implemented a phased security plan</a:t>
+            <a:rPr lang="en-US" sz="1900" kern="1200" dirty="0"/>
+            <a:t>Implemented a phased security plan</a:t>
           </a:r>
         </a:p>
       </dsp:txBody>
@@ -24100,7 +24100,7 @@
           <a:p>
             <a:fld id="{5BCAD085-E8A6-8845-BD4E-CB4CCA059FC4}" type="datetimeFigureOut">
               <a:rPr lang="en-US" smtClean="0"/>
-              <a:t>3/2/2025</a:t>
+              <a:t>3/4/2025</a:t>
             </a:fld>
             <a:endParaRPr lang="en-US"/>
           </a:p>
@@ -24387,7 +24387,7 @@
           <a:p>
             <a:fld id="{5BCAD085-E8A6-8845-BD4E-CB4CCA059FC4}" type="datetimeFigureOut">
               <a:rPr lang="en-US" smtClean="0"/>
-              <a:t>3/2/2025</a:t>
+              <a:t>3/4/2025</a:t>
             </a:fld>
             <a:endParaRPr lang="en-US"/>
           </a:p>
@@ -24579,7 +24579,7 @@
           <a:p>
             <a:fld id="{5BCAD085-E8A6-8845-BD4E-CB4CCA059FC4}" type="datetimeFigureOut">
               <a:rPr lang="en-US" smtClean="0"/>
-              <a:t>3/2/2025</a:t>
+              <a:t>3/4/2025</a:t>
             </a:fld>
             <a:endParaRPr lang="en-US"/>
           </a:p>
@@ -24840,7 +24840,7 @@
           <a:p>
             <a:fld id="{5BCAD085-E8A6-8845-BD4E-CB4CCA059FC4}" type="datetimeFigureOut">
               <a:rPr lang="en-US" smtClean="0"/>
-              <a:t>3/2/2025</a:t>
+              <a:t>3/4/2025</a:t>
             </a:fld>
             <a:endParaRPr lang="en-US"/>
           </a:p>
@@ -25264,7 +25264,7 @@
           <a:p>
             <a:fld id="{5BCAD085-E8A6-8845-BD4E-CB4CCA059FC4}" type="datetimeFigureOut">
               <a:rPr lang="en-US" smtClean="0"/>
-              <a:t>3/2/2025</a:t>
+              <a:t>3/4/2025</a:t>
             </a:fld>
             <a:endParaRPr lang="en-US"/>
           </a:p>
@@ -25810,7 +25810,7 @@
           <a:p>
             <a:fld id="{5BCAD085-E8A6-8845-BD4E-CB4CCA059FC4}" type="datetimeFigureOut">
               <a:rPr lang="en-US" smtClean="0"/>
-              <a:t>3/2/2025</a:t>
+              <a:t>3/4/2025</a:t>
             </a:fld>
             <a:endParaRPr lang="en-US"/>
           </a:p>
@@ -26650,7 +26650,7 @@
           <a:p>
             <a:fld id="{5BCAD085-E8A6-8845-BD4E-CB4CCA059FC4}" type="datetimeFigureOut">
               <a:rPr lang="en-US" smtClean="0"/>
-              <a:t>3/2/2025</a:t>
+              <a:t>3/4/2025</a:t>
             </a:fld>
             <a:endParaRPr lang="en-US"/>
           </a:p>
@@ -26820,7 +26820,7 @@
           <a:p>
             <a:fld id="{5BCAD085-E8A6-8845-BD4E-CB4CCA059FC4}" type="datetimeFigureOut">
               <a:rPr lang="en-US" smtClean="0"/>
-              <a:t>3/2/2025</a:t>
+              <a:t>3/4/2025</a:t>
             </a:fld>
             <a:endParaRPr lang="en-US"/>
           </a:p>
@@ -27004,7 +27004,7 @@
           <a:p>
             <a:fld id="{5BCAD085-E8A6-8845-BD4E-CB4CCA059FC4}" type="datetimeFigureOut">
               <a:rPr lang="en-US" smtClean="0"/>
-              <a:t>3/2/2025</a:t>
+              <a:t>3/4/2025</a:t>
             </a:fld>
             <a:endParaRPr lang="en-US"/>
           </a:p>
@@ -27174,7 +27174,7 @@
           <a:p>
             <a:fld id="{5BCAD085-E8A6-8845-BD4E-CB4CCA059FC4}" type="datetimeFigureOut">
               <a:rPr lang="en-US" smtClean="0"/>
-              <a:t>3/2/2025</a:t>
+              <a:t>3/4/2025</a:t>
             </a:fld>
             <a:endParaRPr lang="en-US"/>
           </a:p>
@@ -27422,7 +27422,7 @@
           <a:p>
             <a:fld id="{5BCAD085-E8A6-8845-BD4E-CB4CCA059FC4}" type="datetimeFigureOut">
               <a:rPr lang="en-US" smtClean="0"/>
-              <a:t>3/2/2025</a:t>
+              <a:t>3/4/2025</a:t>
             </a:fld>
             <a:endParaRPr lang="en-US"/>
           </a:p>
@@ -27659,7 +27659,7 @@
           <a:p>
             <a:fld id="{5BCAD085-E8A6-8845-BD4E-CB4CCA059FC4}" type="datetimeFigureOut">
               <a:rPr lang="en-US" smtClean="0"/>
-              <a:t>3/2/2025</a:t>
+              <a:t>3/4/2025</a:t>
             </a:fld>
             <a:endParaRPr lang="en-US"/>
           </a:p>
@@ -28032,7 +28032,7 @@
           <a:p>
             <a:fld id="{5BCAD085-E8A6-8845-BD4E-CB4CCA059FC4}" type="datetimeFigureOut">
               <a:rPr lang="en-US" smtClean="0"/>
-              <a:t>3/2/2025</a:t>
+              <a:t>3/4/2025</a:t>
             </a:fld>
             <a:endParaRPr lang="en-US"/>
           </a:p>
@@ -28150,7 +28150,7 @@
           <a:p>
             <a:fld id="{5BCAD085-E8A6-8845-BD4E-CB4CCA059FC4}" type="datetimeFigureOut">
               <a:rPr lang="en-US" smtClean="0"/>
-              <a:t>3/2/2025</a:t>
+              <a:t>3/4/2025</a:t>
             </a:fld>
             <a:endParaRPr lang="en-US"/>
           </a:p>
@@ -28245,7 +28245,7 @@
           <a:p>
             <a:fld id="{5BCAD085-E8A6-8845-BD4E-CB4CCA059FC4}" type="datetimeFigureOut">
               <a:rPr lang="en-US" smtClean="0"/>
-              <a:t>3/2/2025</a:t>
+              <a:t>3/4/2025</a:t>
             </a:fld>
             <a:endParaRPr lang="en-US"/>
           </a:p>
@@ -28496,7 +28496,7 @@
           <a:p>
             <a:fld id="{5BCAD085-E8A6-8845-BD4E-CB4CCA059FC4}" type="datetimeFigureOut">
               <a:rPr lang="en-US" smtClean="0"/>
-              <a:t>3/2/2025</a:t>
+              <a:t>3/4/2025</a:t>
             </a:fld>
             <a:endParaRPr lang="en-US"/>
           </a:p>
@@ -28783,7 +28783,7 @@
           <a:p>
             <a:fld id="{5BCAD085-E8A6-8845-BD4E-CB4CCA059FC4}" type="datetimeFigureOut">
               <a:rPr lang="en-US" smtClean="0"/>
-              <a:t>3/2/2025</a:t>
+              <a:t>3/4/2025</a:t>
             </a:fld>
             <a:endParaRPr lang="en-US"/>
           </a:p>
@@ -28996,7 +28996,7 @@
           <a:p>
             <a:fld id="{5BCAD085-E8A6-8845-BD4E-CB4CCA059FC4}" type="datetimeFigureOut">
               <a:rPr lang="en-US" smtClean="0"/>
-              <a:t>3/2/2025</a:t>
+              <a:t>3/4/2025</a:t>
             </a:fld>
             <a:endParaRPr lang="en-US"/>
           </a:p>
@@ -29463,28 +29463,6 @@
 <file path=ppt/slides/slide1.xml><?xml version="1.0" encoding="utf-8"?>
 <p:sld xmlns:a="http://schemas.openxmlformats.org/drawingml/2006/main" xmlns:r="http://schemas.openxmlformats.org/officeDocument/2006/relationships" xmlns:p="http://schemas.openxmlformats.org/presentationml/2006/main">
   <p:cSld>
-    <p:bg>
-      <p:bgPr>
-        <a:blipFill rotWithShape="1">
-          <a:blip r:embed="rId2">
-            <a:duotone>
-              <a:schemeClr val="bg2">
-                <a:shade val="18000"/>
-                <a:satMod val="160000"/>
-                <a:lumMod val="28000"/>
-              </a:schemeClr>
-              <a:schemeClr val="bg2">
-                <a:tint val="95000"/>
-                <a:satMod val="160000"/>
-                <a:lumMod val="116000"/>
-              </a:schemeClr>
-            </a:duotone>
-          </a:blip>
-          <a:stretch/>
-        </a:blipFill>
-        <a:effectLst/>
-      </p:bgPr>
-    </p:bg>
     <p:spTree>
       <p:nvGrpSpPr>
         <p:cNvPr id="1" name=""/>
@@ -29578,7 +29556,7 @@
         </p:xfrm>
         <a:graphic>
           <a:graphicData uri="http://schemas.openxmlformats.org/drawingml/2006/diagram">
-            <dgm:relIds xmlns:dgm="http://schemas.openxmlformats.org/drawingml/2006/diagram" xmlns:r="http://schemas.openxmlformats.org/officeDocument/2006/relationships" r:dm="rId3" r:lo="rId4" r:qs="rId5" r:cs="rId6"/>
+            <dgm:relIds xmlns:dgm="http://schemas.openxmlformats.org/drawingml/2006/diagram" xmlns:r="http://schemas.openxmlformats.org/officeDocument/2006/relationships" r:dm="rId2" r:lo="rId3" r:qs="rId4" r:cs="rId5"/>
           </a:graphicData>
         </a:graphic>
       </p:graphicFrame>
@@ -29598,28 +29576,6 @@
 <file path=ppt/slides/slide10.xml><?xml version="1.0" encoding="utf-8"?>
 <p:sld xmlns:a="http://schemas.openxmlformats.org/drawingml/2006/main" xmlns:r="http://schemas.openxmlformats.org/officeDocument/2006/relationships" xmlns:p="http://schemas.openxmlformats.org/presentationml/2006/main">
   <p:cSld>
-    <p:bg>
-      <p:bgPr>
-        <a:blipFill rotWithShape="1">
-          <a:blip r:embed="rId2">
-            <a:duotone>
-              <a:schemeClr val="bg2">
-                <a:shade val="18000"/>
-                <a:satMod val="160000"/>
-                <a:lumMod val="28000"/>
-              </a:schemeClr>
-              <a:schemeClr val="bg2">
-                <a:tint val="95000"/>
-                <a:satMod val="160000"/>
-                <a:lumMod val="116000"/>
-              </a:schemeClr>
-            </a:duotone>
-          </a:blip>
-          <a:stretch/>
-        </a:blipFill>
-        <a:effectLst/>
-      </p:bgPr>
-    </p:bg>
     <p:spTree>
       <p:nvGrpSpPr>
         <p:cNvPr id="1" name=""/>
@@ -29649,7 +29605,7 @@
           <p:nvPr/>
         </p:nvPicPr>
         <p:blipFill>
-          <a:blip r:embed="rId3">
+          <a:blip r:embed="rId2">
             <a:alphaModFix amt="20000"/>
             <a:grayscl/>
           </a:blip>
@@ -29684,9 +29640,10 @@
           <a:lstStyle/>
           <a:p>
             <a:r>
-              <a:rPr lang="en-US" dirty="0"/>
+              <a:rPr lang="en-US"/>
               <a:t>OWASP ASVS Security CATEGORIE Mapping</a:t>
             </a:r>
+            <a:endParaRPr lang="en-US" dirty="0"/>
           </a:p>
         </p:txBody>
       </p:sp>
@@ -29716,7 +29673,7 @@
               <a:buNone/>
             </a:pPr>
             <a:r>
-              <a:rPr lang="en-US" sz="1900" dirty="0"/>
+              <a:rPr lang="en-US" sz="1900"/>
               <a:t>• V2 Authentication - Secure password policies, brute force protection</a:t>
             </a:r>
           </a:p>
@@ -29725,7 +29682,7 @@
               <a:buNone/>
             </a:pPr>
             <a:r>
-              <a:rPr lang="en-US" sz="1900" dirty="0"/>
+              <a:rPr lang="en-US" sz="1900"/>
               <a:t>• V3: Session Management - Secure session handling, secure tokens</a:t>
             </a:r>
           </a:p>
@@ -29734,7 +29691,7 @@
               <a:buNone/>
             </a:pPr>
             <a:r>
-              <a:rPr lang="en-US" sz="1900" dirty="0"/>
+              <a:rPr lang="en-US" sz="1900"/>
               <a:t>• V4: Access Control – RBAC, least privilege</a:t>
             </a:r>
           </a:p>
@@ -29743,7 +29700,7 @@
               <a:buNone/>
             </a:pPr>
             <a:r>
-              <a:rPr lang="en-US" sz="1900" dirty="0"/>
+              <a:rPr lang="en-US" sz="1900"/>
               <a:t>• V5: Input Validation - Preventing SQL Injection, prepared statements,    </a:t>
             </a:r>
           </a:p>
@@ -29752,7 +29709,7 @@
               <a:buNone/>
             </a:pPr>
             <a:r>
-              <a:rPr lang="en-US" sz="1900" dirty="0"/>
+              <a:rPr lang="en-US" sz="1900"/>
               <a:t>• V7: Logging &amp; Monitoring - Audit logging, anomaly detection</a:t>
             </a:r>
           </a:p>
@@ -29761,7 +29718,7 @@
               <a:buNone/>
             </a:pPr>
             <a:r>
-              <a:rPr lang="en-US" sz="1900" dirty="0"/>
+              <a:rPr lang="en-US" sz="1900"/>
               <a:t>• V11: Business Logic – Business logic security – rate  limits</a:t>
             </a:r>
           </a:p>
@@ -29770,15 +29727,15 @@
               <a:buNone/>
             </a:pPr>
             <a:r>
-              <a:rPr lang="en-US" sz="1900" dirty="0"/>
+              <a:rPr lang="en-US" sz="1900"/>
               <a:t>• V12: File Uploading –maximum file size</a:t>
             </a:r>
             <a:r>
-              <a:rPr lang="el-GR" sz="1900" dirty="0"/>
+              <a:rPr lang="el-GR" sz="1900"/>
               <a:t>, </a:t>
             </a:r>
             <a:r>
-              <a:rPr lang="en-US" sz="1900" dirty="0"/>
+              <a:rPr lang="en-US" sz="1900"/>
               <a:t>file integrity</a:t>
             </a:r>
           </a:p>
@@ -29786,7 +29743,7 @@
             <a:pPr marL="0" indent="0">
               <a:buNone/>
             </a:pPr>
-            <a:endParaRPr lang="en-US" sz="1900" dirty="0"/>
+            <a:endParaRPr lang="en-US" sz="1900"/>
           </a:p>
           <a:p>
             <a:pPr marL="0" indent="0">
@@ -29807,28 +29764,6 @@
 <file path=ppt/slides/slide11.xml><?xml version="1.0" encoding="utf-8"?>
 <p:sld xmlns:a="http://schemas.openxmlformats.org/drawingml/2006/main" xmlns:r="http://schemas.openxmlformats.org/officeDocument/2006/relationships" xmlns:p="http://schemas.openxmlformats.org/presentationml/2006/main">
   <p:cSld>
-    <p:bg>
-      <p:bgPr>
-        <a:blipFill rotWithShape="1">
-          <a:blip r:embed="rId2">
-            <a:duotone>
-              <a:schemeClr val="bg2">
-                <a:shade val="18000"/>
-                <a:satMod val="160000"/>
-                <a:lumMod val="28000"/>
-              </a:schemeClr>
-              <a:schemeClr val="bg2">
-                <a:tint val="95000"/>
-                <a:satMod val="160000"/>
-                <a:lumMod val="116000"/>
-              </a:schemeClr>
-            </a:duotone>
-          </a:blip>
-          <a:stretch/>
-        </a:blipFill>
-        <a:effectLst/>
-      </p:bgPr>
-    </p:bg>
     <p:spTree>
       <p:nvGrpSpPr>
         <p:cNvPr id="1" name=""/>
@@ -29889,7 +29824,7 @@
             <p:ph idx="1"/>
             <p:extLst>
               <p:ext uri="{D42A27DB-BD31-4B8C-83A1-F6EECF244321}">
-                <p14:modId xmlns:p14="http://schemas.microsoft.com/office/powerpoint/2010/main" val="1044370331"/>
+                <p14:modId xmlns:p14="http://schemas.microsoft.com/office/powerpoint/2010/main" val="3116901485"/>
               </p:ext>
             </p:extLst>
           </p:nvPr>
@@ -30313,12 +30248,12 @@
                     <a:p>
                       <a:pPr algn="l" fontAlgn="t"/>
                       <a:r>
-                        <a:rPr lang="en-US" sz="900" u="none" strike="noStrike">
+                        <a:rPr lang="en-US" sz="900" u="none" strike="noStrike" dirty="0">
                           <a:effectLst/>
                         </a:rPr>
                         <a:t>5</a:t>
                       </a:r>
-                      <a:endParaRPr lang="en-US" sz="900" b="0" i="0" u="none" strike="noStrike">
+                      <a:endParaRPr lang="en-US" sz="900" b="0" i="0" u="none" strike="noStrike" dirty="0">
                         <a:solidFill>
                           <a:srgbClr val="000000"/>
                         </a:solidFill>
@@ -31544,18 +31479,15 @@
                     <a:p>
                       <a:pPr algn="l" fontAlgn="t"/>
                       <a:r>
-                        <a:rPr lang="en-US" sz="900" u="none" strike="noStrike">
+                        <a:rPr lang="en-US" sz="900" b="1" i="0" u="none" strike="noStrike" dirty="0">
+                          <a:solidFill>
+                            <a:srgbClr val="000000"/>
+                          </a:solidFill>
                           <a:effectLst/>
+                          <a:latin typeface="Calibri" panose="020F0502020204030204" pitchFamily="34" charset="0"/>
                         </a:rPr>
-                        <a:t>7</a:t>
+                        <a:t>8</a:t>
                       </a:r>
-                      <a:endParaRPr lang="en-US" sz="900" b="0" i="0" u="none" strike="noStrike">
-                        <a:solidFill>
-                          <a:srgbClr val="000000"/>
-                        </a:solidFill>
-                        <a:effectLst/>
-                        <a:latin typeface="Calibri" panose="020F0502020204030204" pitchFamily="34" charset="0"/>
-                      </a:endParaRPr>
                     </a:p>
                   </a:txBody>
                   <a:tcPr marL="3929" marR="3929" marT="3929" marB="0"/>
@@ -31567,12 +31499,12 @@
                     <a:p>
                       <a:pPr algn="l" fontAlgn="t"/>
                       <a:r>
-                        <a:rPr lang="en-US" sz="900" u="none" strike="noStrike">
+                        <a:rPr lang="en-US" sz="900" u="none" strike="noStrike" dirty="0">
                           <a:effectLst/>
                         </a:rPr>
-                        <a:t>38.5</a:t>
+                        <a:t>39.5</a:t>
                       </a:r>
-                      <a:endParaRPr lang="en-US" sz="900" b="0" i="0" u="none" strike="noStrike">
+                      <a:endParaRPr lang="en-US" sz="900" b="0" i="0" u="none" strike="noStrike" dirty="0">
                         <a:solidFill>
                           <a:srgbClr val="000000"/>
                         </a:solidFill>
@@ -31685,12 +31617,7 @@
             <p:ph type="title"/>
           </p:nvPr>
         </p:nvSpPr>
-        <p:spPr>
-          <a:xfrm>
-            <a:off x="685346" y="36214"/>
-            <a:ext cx="7765321" cy="1211645"/>
-          </a:xfrm>
-        </p:spPr>
+        <p:spPr/>
         <p:txBody>
           <a:bodyPr/>
           <a:lstStyle/>
@@ -31715,23 +31642,26 @@
             <a:spLocks noGrp="1"/>
           </p:cNvSpPr>
           <p:nvPr>
-            <p:ph idx="1"/>
+            <p:ph sz="half" idx="1"/>
           </p:nvPr>
         </p:nvSpPr>
         <p:spPr>
           <a:xfrm>
-            <a:off x="588475" y="1140737"/>
-            <a:ext cx="8374456" cy="4988459"/>
+            <a:off x="685346" y="2088320"/>
+            <a:ext cx="3829503" cy="4160079"/>
           </a:xfrm>
         </p:spPr>
         <p:txBody>
           <a:bodyPr>
-            <a:normAutofit lnSpcReduction="10000"/>
+            <a:normAutofit fontScale="55000" lnSpcReduction="20000"/>
           </a:bodyPr>
           <a:lstStyle/>
           <a:p>
+            <a:pPr marL="0" indent="0">
+              <a:buNone/>
+            </a:pPr>
             <a:r>
-              <a:rPr lang="en-US" sz="1200" kern="100" dirty="0">
+              <a:rPr lang="en-US" sz="1600" kern="100" dirty="0">
                 <a:effectLst/>
                 <a:latin typeface="Aptos" panose="020B0004020202020204" pitchFamily="34" charset="0"/>
                 <a:ea typeface="Aptos" panose="020B0004020202020204" pitchFamily="34" charset="0"/>
@@ -31739,8 +31669,16 @@
               </a:rPr>
               <a:t>V2: Authentication -&gt;  </a:t>
             </a:r>
+            <a:endParaRPr lang="el-GR" sz="1600" kern="100" dirty="0">
+              <a:effectLst/>
+              <a:latin typeface="Aptos" panose="020B0004020202020204" pitchFamily="34" charset="0"/>
+              <a:ea typeface="Aptos" panose="020B0004020202020204" pitchFamily="34" charset="0"/>
+              <a:cs typeface="Times New Roman" panose="02020603050405020304" pitchFamily="18" charset="0"/>
+            </a:endParaRPr>
+          </a:p>
+          <a:p>
             <a:r>
-              <a:rPr lang="en-US" sz="1200" i="1" kern="100" dirty="0">
+              <a:rPr lang="en-US" sz="1600" i="1" kern="100" dirty="0">
                 <a:effectLst/>
                 <a:latin typeface="Aptos" panose="020B0004020202020204" pitchFamily="34" charset="0"/>
                 <a:ea typeface="Aptos" panose="020B0004020202020204" pitchFamily="34" charset="0"/>
@@ -31749,7 +31687,7 @@
               <a:t>V2.4 Credential Storage -&gt;  ASVS V2.4.1: </a:t>
             </a:r>
             <a:r>
-              <a:rPr lang="el-GR" sz="1200" i="1" kern="100" dirty="0">
+              <a:rPr lang="el-GR" sz="1600" i="1" kern="100" dirty="0">
                 <a:effectLst/>
                 <a:latin typeface="Aptos" panose="020B0004020202020204" pitchFamily="34" charset="0"/>
                 <a:ea typeface="Aptos" panose="020B0004020202020204" pitchFamily="34" charset="0"/>
@@ -31758,7 +31696,7 @@
               <a:t>Χρήση αλγορίθμων </a:t>
             </a:r>
             <a:r>
-              <a:rPr lang="en-US" sz="1200" i="1" kern="100" dirty="0">
+              <a:rPr lang="en-US" sz="1600" i="1" kern="100" dirty="0">
                 <a:effectLst/>
                 <a:latin typeface="Aptos" panose="020B0004020202020204" pitchFamily="34" charset="0"/>
                 <a:ea typeface="Aptos" panose="020B0004020202020204" pitchFamily="34" charset="0"/>
@@ -31769,16 +31707,7 @@
           </a:p>
           <a:p>
             <a:r>
-              <a:rPr lang="en-US" sz="1200" kern="100" dirty="0">
-                <a:effectLst/>
-                <a:latin typeface="Aptos" panose="020B0004020202020204" pitchFamily="34" charset="0"/>
-                <a:ea typeface="Aptos" panose="020B0004020202020204" pitchFamily="34" charset="0"/>
-                <a:cs typeface="Times New Roman" panose="02020603050405020304" pitchFamily="18" charset="0"/>
-              </a:rPr>
-              <a:t>V2: Authentication -&gt;  </a:t>
-            </a:r>
-            <a:r>
-              <a:rPr lang="en-US" sz="1200" i="1" kern="100" dirty="0">
+              <a:rPr lang="en-US" sz="1600" i="1" kern="100" dirty="0">
                 <a:effectLst/>
                 <a:latin typeface="Aptos" panose="020B0004020202020204" pitchFamily="34" charset="0"/>
                 <a:ea typeface="Aptos" panose="020B0004020202020204" pitchFamily="34" charset="0"/>
@@ -31788,17 +31717,37 @@
             </a:r>
           </a:p>
           <a:p>
+            <a:pPr marL="0" indent="0">
+              <a:buNone/>
+            </a:pPr>
             <a:r>
-              <a:rPr lang="en-US" sz="1200" i="1" kern="100" dirty="0">
+              <a:rPr lang="en-US" sz="1600" i="1" kern="100" dirty="0">
                 <a:effectLst/>
                 <a:latin typeface="Aptos" panose="020B0004020202020204" pitchFamily="34" charset="0"/>
                 <a:ea typeface="Aptos" panose="020B0004020202020204" pitchFamily="34" charset="0"/>
                 <a:cs typeface="Times New Roman" panose="02020603050405020304" pitchFamily="18" charset="0"/>
               </a:rPr>
-              <a:t>V3: Session Management - &gt; V3.2 Session Binding -&gt;  </a:t>
+              <a:t>V3: Session Management - &gt; </a:t>
+            </a:r>
+            <a:endParaRPr lang="el-GR" sz="1600" i="1" kern="100" dirty="0">
+              <a:effectLst/>
+              <a:latin typeface="Aptos" panose="020B0004020202020204" pitchFamily="34" charset="0"/>
+              <a:ea typeface="Aptos" panose="020B0004020202020204" pitchFamily="34" charset="0"/>
+              <a:cs typeface="Times New Roman" panose="02020603050405020304" pitchFamily="18" charset="0"/>
+            </a:endParaRPr>
+          </a:p>
+          <a:p>
+            <a:r>
+              <a:rPr lang="en-US" sz="1600" i="1" kern="100" dirty="0">
+                <a:effectLst/>
+                <a:latin typeface="Aptos" panose="020B0004020202020204" pitchFamily="34" charset="0"/>
+                <a:ea typeface="Aptos" panose="020B0004020202020204" pitchFamily="34" charset="0"/>
+                <a:cs typeface="Times New Roman" panose="02020603050405020304" pitchFamily="18" charset="0"/>
+              </a:rPr>
+              <a:t>V3.2 Session Binding -&gt;  </a:t>
             </a:r>
             <a:r>
-              <a:rPr lang="el-GR" sz="1200" i="1" kern="100" dirty="0">
+              <a:rPr lang="el-GR" sz="1600" i="1" kern="100" dirty="0">
                 <a:effectLst/>
                 <a:latin typeface="Aptos" panose="020B0004020202020204" pitchFamily="34" charset="0"/>
                 <a:ea typeface="Aptos" panose="020B0004020202020204" pitchFamily="34" charset="0"/>
@@ -31807,7 +31756,7 @@
               <a:t>ASVS V3.</a:t>
             </a:r>
             <a:r>
-              <a:rPr lang="en-US" sz="1200" i="1" kern="100" dirty="0">
+              <a:rPr lang="en-US" sz="1600" i="1" kern="100" dirty="0">
                 <a:effectLst/>
                 <a:latin typeface="Aptos" panose="020B0004020202020204" pitchFamily="34" charset="0"/>
                 <a:ea typeface="Aptos" panose="020B0004020202020204" pitchFamily="34" charset="0"/>
@@ -31816,7 +31765,7 @@
               <a:t>2.1</a:t>
             </a:r>
             <a:r>
-              <a:rPr lang="el-GR" sz="1200" i="1" kern="100" dirty="0">
+              <a:rPr lang="el-GR" sz="1600" i="1" kern="100" dirty="0">
                 <a:effectLst/>
                 <a:latin typeface="Aptos" panose="020B0004020202020204" pitchFamily="34" charset="0"/>
                 <a:ea typeface="Aptos" panose="020B0004020202020204" pitchFamily="34" charset="0"/>
@@ -31825,7 +31774,7 @@
               <a:t>: </a:t>
             </a:r>
             <a:r>
-              <a:rPr lang="en-US" sz="1200" i="1" kern="100" dirty="0">
+              <a:rPr lang="en-US" sz="1600" i="1" kern="100" dirty="0">
                 <a:effectLst/>
                 <a:latin typeface="Aptos" panose="020B0004020202020204" pitchFamily="34" charset="0"/>
                 <a:ea typeface="Aptos" panose="020B0004020202020204" pitchFamily="34" charset="0"/>
@@ -31834,7 +31783,7 @@
               <a:t> </a:t>
             </a:r>
             <a:r>
-              <a:rPr lang="el-GR" sz="1200" i="1" kern="100" dirty="0">
+              <a:rPr lang="el-GR" sz="1600" i="1" kern="100" dirty="0">
                 <a:effectLst/>
                 <a:latin typeface="Aptos" panose="020B0004020202020204" pitchFamily="34" charset="0"/>
                 <a:ea typeface="Aptos" panose="020B0004020202020204" pitchFamily="34" charset="0"/>
@@ -31843,7 +31792,7 @@
               <a:t>μοναδικά και τυχαία session I</a:t>
             </a:r>
             <a:r>
-              <a:rPr lang="en-US" sz="1200" i="1" kern="100" dirty="0">
+              <a:rPr lang="en-US" sz="1600" i="1" kern="100" dirty="0">
                 <a:effectLst/>
                 <a:latin typeface="Aptos" panose="020B0004020202020204" pitchFamily="34" charset="0"/>
                 <a:ea typeface="Aptos" panose="020B0004020202020204" pitchFamily="34" charset="0"/>
@@ -31852,7 +31801,7 @@
               <a:t>d</a:t>
             </a:r>
             <a:r>
-              <a:rPr lang="el-GR" sz="1200" i="1" kern="100" dirty="0">
+              <a:rPr lang="el-GR" sz="1600" i="1" kern="100" dirty="0">
                 <a:effectLst/>
                 <a:latin typeface="Aptos" panose="020B0004020202020204" pitchFamily="34" charset="0"/>
                 <a:ea typeface="Aptos" panose="020B0004020202020204" pitchFamily="34" charset="0"/>
@@ -31860,7 +31809,27 @@
               </a:rPr>
               <a:t>s</a:t>
             </a:r>
-            <a:endParaRPr lang="en-US" sz="1200" i="1" kern="100" dirty="0">
+            <a:endParaRPr lang="en-US" sz="1600" i="1" kern="100" dirty="0">
+              <a:effectLst/>
+              <a:latin typeface="Aptos" panose="020B0004020202020204" pitchFamily="34" charset="0"/>
+              <a:ea typeface="Aptos" panose="020B0004020202020204" pitchFamily="34" charset="0"/>
+              <a:cs typeface="Times New Roman" panose="02020603050405020304" pitchFamily="18" charset="0"/>
+            </a:endParaRPr>
+          </a:p>
+          <a:p>
+            <a:pPr marL="0" indent="0">
+              <a:buNone/>
+            </a:pPr>
+            <a:r>
+              <a:rPr lang="en-US" sz="1600" i="1" kern="100" dirty="0">
+                <a:effectLst/>
+                <a:latin typeface="Aptos" panose="020B0004020202020204" pitchFamily="34" charset="0"/>
+                <a:ea typeface="Aptos" panose="020B0004020202020204" pitchFamily="34" charset="0"/>
+                <a:cs typeface="Times New Roman" panose="02020603050405020304" pitchFamily="18" charset="0"/>
+              </a:rPr>
+              <a:t>V5: Validation,  Sanitization and Encoding -&gt; </a:t>
+            </a:r>
+            <a:endParaRPr lang="el-GR" sz="1600" i="1" kern="100" dirty="0">
               <a:effectLst/>
               <a:latin typeface="Aptos" panose="020B0004020202020204" pitchFamily="34" charset="0"/>
               <a:ea typeface="Aptos" panose="020B0004020202020204" pitchFamily="34" charset="0"/>
@@ -31869,38 +31838,58 @@
           </a:p>
           <a:p>
             <a:r>
-              <a:rPr lang="en-US" sz="1200" i="1" kern="100" dirty="0">
+              <a:rPr lang="en-US" sz="1600" i="1" kern="100" dirty="0">
                 <a:effectLst/>
                 <a:latin typeface="Aptos" panose="020B0004020202020204" pitchFamily="34" charset="0"/>
                 <a:ea typeface="Aptos" panose="020B0004020202020204" pitchFamily="34" charset="0"/>
                 <a:cs typeface="Times New Roman" panose="02020603050405020304" pitchFamily="18" charset="0"/>
               </a:rPr>
-              <a:t>V5: Validation,  Sanitization and Encoding -&gt; V5.3 Output Encoding and Injection Prevention -&gt; ASVS V5.3.4 Parameterized queries, prepared statements for database calls.</a:t>
+              <a:t>V5.3 Output Encoding and Injection Prevention -&gt; ASVS V5.3.4 Parameterized queries, prepared statements for database calls.</a:t>
             </a:r>
           </a:p>
           <a:p>
             <a:r>
-              <a:rPr lang="en-US" sz="1200" i="1" kern="100" dirty="0">
+              <a:rPr lang="en-US" sz="1600" i="1" kern="100" dirty="0">
                 <a:effectLst/>
                 <a:latin typeface="Aptos" panose="020B0004020202020204" pitchFamily="34" charset="0"/>
                 <a:ea typeface="Aptos" panose="020B0004020202020204" pitchFamily="34" charset="0"/>
                 <a:cs typeface="Times New Roman" panose="02020603050405020304" pitchFamily="18" charset="0"/>
               </a:rPr>
-              <a:t>V5: Validation,  Sanitization and Encoding -&gt; V5.1 Input Validation -&gt; ASVS V5.1.3 Verify that all input  is validated using positive validations ( allow lists)</a:t>
+              <a:t>V5.1 Input Validation -&gt; ASVS V5.1.3 Verify that all input  is validated using positive validations ( allow lists)</a:t>
             </a:r>
           </a:p>
           <a:p>
+            <a:pPr marL="0" indent="0">
+              <a:buNone/>
+            </a:pPr>
             <a:r>
-              <a:rPr lang="en-US" sz="1200" kern="100" dirty="0">
+              <a:rPr lang="en-US" sz="1600" kern="100" dirty="0">
                 <a:effectLst/>
                 <a:latin typeface="Aptos" panose="020B0004020202020204" pitchFamily="34" charset="0"/>
                 <a:ea typeface="Aptos" panose="020B0004020202020204" pitchFamily="34" charset="0"/>
                 <a:cs typeface="Times New Roman" panose="02020603050405020304" pitchFamily="18" charset="0"/>
               </a:rPr>
-              <a:t>V7: Error Handling and Logging -&gt; V7.1 Log Content -&gt; ASVSV7.1.4 </a:t>
+              <a:t>V7: Error Handling and Logging -&gt; </a:t>
+            </a:r>
+            <a:endParaRPr lang="el-GR" sz="1600" kern="100" dirty="0">
+              <a:effectLst/>
+              <a:latin typeface="Aptos" panose="020B0004020202020204" pitchFamily="34" charset="0"/>
+              <a:ea typeface="Aptos" panose="020B0004020202020204" pitchFamily="34" charset="0"/>
+              <a:cs typeface="Times New Roman" panose="02020603050405020304" pitchFamily="18" charset="0"/>
+            </a:endParaRPr>
+          </a:p>
+          <a:p>
+            <a:r>
+              <a:rPr lang="en-US" sz="1600" kern="100" dirty="0">
+                <a:effectLst/>
+                <a:latin typeface="Aptos" panose="020B0004020202020204" pitchFamily="34" charset="0"/>
+                <a:ea typeface="Aptos" panose="020B0004020202020204" pitchFamily="34" charset="0"/>
+                <a:cs typeface="Times New Roman" panose="02020603050405020304" pitchFamily="18" charset="0"/>
+              </a:rPr>
+              <a:t>V7.1 Log Content -&gt; ASVSV7.1.4 </a:t>
             </a:r>
             <a:r>
-              <a:rPr lang="el-GR" sz="1200" kern="100" dirty="0">
+              <a:rPr lang="el-GR" sz="1600" kern="100" dirty="0">
                 <a:effectLst/>
                 <a:latin typeface="Aptos" panose="020B0004020202020204" pitchFamily="34" charset="0"/>
                 <a:ea typeface="Aptos" panose="020B0004020202020204" pitchFamily="34" charset="0"/>
@@ -31909,7 +31898,7 @@
               <a:t>Καταγραφή όλων των απαραίτητων στοιχείων που επιτρέπουν μελλοντικό </a:t>
             </a:r>
             <a:r>
-              <a:rPr lang="en-US" sz="1200" kern="100" dirty="0">
+              <a:rPr lang="en-US" sz="1600" kern="100" dirty="0">
                 <a:effectLst/>
                 <a:latin typeface="Aptos" panose="020B0004020202020204" pitchFamily="34" charset="0"/>
                 <a:ea typeface="Aptos" panose="020B0004020202020204" pitchFamily="34" charset="0"/>
@@ -31920,16 +31909,16 @@
           </a:p>
           <a:p>
             <a:r>
-              <a:rPr lang="en-US" sz="1200" kern="100" dirty="0">
+              <a:rPr lang="en-US" sz="1600" kern="100" dirty="0">
                 <a:effectLst/>
                 <a:latin typeface="Aptos" panose="020B0004020202020204" pitchFamily="34" charset="0"/>
                 <a:ea typeface="Aptos" panose="020B0004020202020204" pitchFamily="34" charset="0"/>
                 <a:cs typeface="Times New Roman" panose="02020603050405020304" pitchFamily="18" charset="0"/>
               </a:rPr>
-              <a:t>V7: Error Handling and Logging -&gt; V7.3 Log Protection -&gt; ASVSV7.3.3</a:t>
+              <a:t>V7.3 Log Protection -&gt; ASVSV7.3.3</a:t>
             </a:r>
             <a:r>
-              <a:rPr lang="el-GR" sz="1200" kern="100" dirty="0">
+              <a:rPr lang="el-GR" sz="1600" kern="100" dirty="0">
                 <a:effectLst/>
                 <a:latin typeface="Aptos" panose="020B0004020202020204" pitchFamily="34" charset="0"/>
                 <a:ea typeface="Aptos" panose="020B0004020202020204" pitchFamily="34" charset="0"/>
@@ -31938,7 +31927,7 @@
               <a:t> </a:t>
             </a:r>
             <a:r>
-              <a:rPr lang="en-US" sz="1200" kern="100" dirty="0">
+              <a:rPr lang="en-US" sz="1600" kern="100" dirty="0">
                 <a:effectLst/>
                 <a:latin typeface="Aptos" panose="020B0004020202020204" pitchFamily="34" charset="0"/>
                 <a:ea typeface="Aptos" panose="020B0004020202020204" pitchFamily="34" charset="0"/>
@@ -31946,80 +31935,6 @@
               </a:rPr>
               <a:t> Protect logs from unauthorized access</a:t>
             </a:r>
-          </a:p>
-          <a:p>
-            <a:r>
-              <a:rPr lang="en-US" sz="1200" kern="100" dirty="0">
-                <a:effectLst/>
-                <a:latin typeface="Aptos" panose="020B0004020202020204" pitchFamily="34" charset="0"/>
-                <a:ea typeface="Aptos" panose="020B0004020202020204" pitchFamily="34" charset="0"/>
-                <a:cs typeface="Times New Roman" panose="02020603050405020304" pitchFamily="18" charset="0"/>
-              </a:rPr>
-              <a:t>V4: Access Control Verification -&gt; V4.1 General Access Control Design -&gt; ASVS V4.1.3 least privilege</a:t>
-            </a:r>
-          </a:p>
-          <a:p>
-            <a:r>
-              <a:rPr lang="en-US" sz="1200" kern="100" dirty="0">
-                <a:effectLst/>
-                <a:latin typeface="Aptos" panose="020B0004020202020204" pitchFamily="34" charset="0"/>
-                <a:ea typeface="Aptos" panose="020B0004020202020204" pitchFamily="34" charset="0"/>
-                <a:cs typeface="Times New Roman" panose="02020603050405020304" pitchFamily="18" charset="0"/>
-              </a:rPr>
-              <a:t>V4: Access Control Verification -&gt; V4.1 General Access Control Design -&gt; ASVS V4.1.2  RBAC</a:t>
-            </a:r>
-          </a:p>
-          <a:p>
-            <a:r>
-              <a:rPr lang="en-US" sz="1200" kern="100" dirty="0">
-                <a:effectLst/>
-                <a:latin typeface="Aptos" panose="020B0004020202020204" pitchFamily="34" charset="0"/>
-                <a:ea typeface="Aptos" panose="020B0004020202020204" pitchFamily="34" charset="0"/>
-                <a:cs typeface="Times New Roman" panose="02020603050405020304" pitchFamily="18" charset="0"/>
-              </a:rPr>
-              <a:t>V4: Access Control Verification -&gt; V4.2 Operational Level Access Control-&gt; ASVS V4.2.1 IDOR protection</a:t>
-            </a:r>
-          </a:p>
-          <a:p>
-            <a:r>
-              <a:rPr lang="en-US" sz="1200" kern="100" dirty="0">
-                <a:effectLst/>
-                <a:latin typeface="Aptos" panose="020B0004020202020204" pitchFamily="34" charset="0"/>
-                <a:ea typeface="Aptos" panose="020B0004020202020204" pitchFamily="34" charset="0"/>
-                <a:cs typeface="Times New Roman" panose="02020603050405020304" pitchFamily="18" charset="0"/>
-              </a:rPr>
-              <a:t>V11: Business Logic -&gt; V11.1 Business Logic Security -&gt; ASVS V11.1.4 rate limiting/ for requests like file uploads</a:t>
-            </a:r>
-          </a:p>
-          <a:p>
-            <a:r>
-              <a:rPr lang="en-US" sz="1200" kern="100" dirty="0">
-                <a:effectLst/>
-                <a:latin typeface="Aptos" panose="020B0004020202020204" pitchFamily="34" charset="0"/>
-                <a:ea typeface="Aptos" panose="020B0004020202020204" pitchFamily="34" charset="0"/>
-                <a:cs typeface="Times New Roman" panose="02020603050405020304" pitchFamily="18" charset="0"/>
-              </a:rPr>
-              <a:t>V12 File and Resources Verification -&gt; V12.1 File Upload -&gt; ASVS V12.1.1 don’t accept large files that could cause dos</a:t>
-            </a:r>
-          </a:p>
-          <a:p>
-            <a:r>
-              <a:rPr lang="en-US" sz="1200" kern="100" dirty="0">
-                <a:effectLst/>
-                <a:latin typeface="Aptos" panose="020B0004020202020204" pitchFamily="34" charset="0"/>
-                <a:ea typeface="Aptos" panose="020B0004020202020204" pitchFamily="34" charset="0"/>
-                <a:cs typeface="Times New Roman" panose="02020603050405020304" pitchFamily="18" charset="0"/>
-              </a:rPr>
-              <a:t>V12 File and Resources Verification -&gt; V12.2 File Integrity  -&gt; ASVS V12.2.1 validate the file type</a:t>
-            </a:r>
-          </a:p>
-          <a:p>
-            <a:endParaRPr lang="en-US" sz="1200" kern="100" dirty="0">
-              <a:effectLst/>
-              <a:latin typeface="Aptos" panose="020B0004020202020204" pitchFamily="34" charset="0"/>
-              <a:ea typeface="Aptos" panose="020B0004020202020204" pitchFamily="34" charset="0"/>
-              <a:cs typeface="Times New Roman" panose="02020603050405020304" pitchFamily="18" charset="0"/>
-            </a:endParaRPr>
           </a:p>
           <a:p>
             <a:endParaRPr lang="en-US" sz="1200" kern="100" dirty="0">
@@ -32082,6 +31997,206 @@
           </a:p>
         </p:txBody>
       </p:sp>
+      <p:sp>
+        <p:nvSpPr>
+          <p:cNvPr id="4" name="Content Placeholder 3">
+            <a:extLst>
+              <a:ext uri="{FF2B5EF4-FFF2-40B4-BE49-F238E27FC236}">
+                <a16:creationId xmlns:a16="http://schemas.microsoft.com/office/drawing/2014/main" id="{F3C8238C-5E6A-3997-58C4-462C9EFA9339}"/>
+              </a:ext>
+            </a:extLst>
+          </p:cNvPr>
+          <p:cNvSpPr>
+            <a:spLocks noGrp="1"/>
+          </p:cNvSpPr>
+          <p:nvPr>
+            <p:ph sz="half" idx="2"/>
+          </p:nvPr>
+        </p:nvSpPr>
+        <p:spPr>
+          <a:xfrm>
+            <a:off x="4630052" y="2088320"/>
+            <a:ext cx="3820616" cy="4160079"/>
+          </a:xfrm>
+        </p:spPr>
+        <p:txBody>
+          <a:bodyPr>
+            <a:normAutofit fontScale="55000" lnSpcReduction="20000"/>
+          </a:bodyPr>
+          <a:lstStyle/>
+          <a:p>
+            <a:pPr marL="0" marR="0" lvl="0" indent="0" algn="l" defTabSz="914400" rtl="0" eaLnBrk="1" fontAlgn="auto" latinLnBrk="0" hangingPunct="1">
+              <a:lnSpc>
+                <a:spcPct val="120000"/>
+              </a:lnSpc>
+              <a:spcBef>
+                <a:spcPts val="1000"/>
+              </a:spcBef>
+              <a:spcAft>
+                <a:spcPts val="0"/>
+              </a:spcAft>
+              <a:buClrTx/>
+              <a:buSzTx/>
+              <a:buNone/>
+              <a:tabLst/>
+              <a:defRPr/>
+            </a:pPr>
+            <a:r>
+              <a:rPr lang="en-US" sz="1800" i="1" kern="100" dirty="0">
+                <a:effectLst/>
+                <a:latin typeface="Aptos" panose="020B0004020202020204" pitchFamily="34" charset="0"/>
+                <a:cs typeface="Times New Roman" panose="02020603050405020304" pitchFamily="18" charset="0"/>
+              </a:rPr>
+              <a:t>V4: Access Control Verification -&gt; </a:t>
+            </a:r>
+            <a:endParaRPr lang="el-GR" sz="1800" i="1" kern="100" dirty="0">
+              <a:effectLst/>
+              <a:latin typeface="Aptos" panose="020B0004020202020204" pitchFamily="34" charset="0"/>
+              <a:cs typeface="Times New Roman" panose="02020603050405020304" pitchFamily="18" charset="0"/>
+            </a:endParaRPr>
+          </a:p>
+          <a:p>
+            <a:pPr>
+              <a:defRPr/>
+            </a:pPr>
+            <a:r>
+              <a:rPr lang="en-US" sz="1800" i="1" kern="100" dirty="0">
+                <a:effectLst/>
+                <a:latin typeface="Aptos" panose="020B0004020202020204" pitchFamily="34" charset="0"/>
+                <a:cs typeface="Times New Roman" panose="02020603050405020304" pitchFamily="18" charset="0"/>
+              </a:rPr>
+              <a:t>V4.1 General Access Control Design -&gt; ASVS V4.1.3 least privilege</a:t>
+            </a:r>
+          </a:p>
+          <a:p>
+            <a:pPr>
+              <a:defRPr/>
+            </a:pPr>
+            <a:r>
+              <a:rPr lang="en-US" sz="1800" i="1" kern="100" dirty="0">
+                <a:effectLst/>
+                <a:latin typeface="Aptos" panose="020B0004020202020204" pitchFamily="34" charset="0"/>
+                <a:cs typeface="Times New Roman" panose="02020603050405020304" pitchFamily="18" charset="0"/>
+              </a:rPr>
+              <a:t>V4.1 General Access Control Design -&gt; ASVS V4.1.2  RBAC</a:t>
+            </a:r>
+          </a:p>
+          <a:p>
+            <a:pPr>
+              <a:defRPr/>
+            </a:pPr>
+            <a:r>
+              <a:rPr lang="en-US" sz="1800" i="1" kern="100" dirty="0">
+                <a:effectLst/>
+                <a:latin typeface="Aptos" panose="020B0004020202020204" pitchFamily="34" charset="0"/>
+                <a:cs typeface="Times New Roman" panose="02020603050405020304" pitchFamily="18" charset="0"/>
+              </a:rPr>
+              <a:t>V4.2 Operational Level Access Control-&gt; ASVS V4.2.1 IDOR protection</a:t>
+            </a:r>
+          </a:p>
+          <a:p>
+            <a:pPr marL="0" marR="0" lvl="0" indent="0" algn="l" defTabSz="914400" rtl="0" eaLnBrk="1" fontAlgn="auto" latinLnBrk="0" hangingPunct="1">
+              <a:lnSpc>
+                <a:spcPct val="120000"/>
+              </a:lnSpc>
+              <a:spcBef>
+                <a:spcPts val="1000"/>
+              </a:spcBef>
+              <a:spcAft>
+                <a:spcPts val="0"/>
+              </a:spcAft>
+              <a:buClrTx/>
+              <a:buSzTx/>
+              <a:buNone/>
+              <a:tabLst/>
+              <a:defRPr/>
+            </a:pPr>
+            <a:r>
+              <a:rPr lang="en-US" sz="1800" i="1" kern="100" dirty="0">
+                <a:effectLst/>
+                <a:latin typeface="Aptos" panose="020B0004020202020204" pitchFamily="34" charset="0"/>
+                <a:cs typeface="Times New Roman" panose="02020603050405020304" pitchFamily="18" charset="0"/>
+              </a:rPr>
+              <a:t>V11: Business Logic -&gt; </a:t>
+            </a:r>
+            <a:endParaRPr lang="el-GR" sz="1800" i="1" kern="100" dirty="0">
+              <a:effectLst/>
+              <a:latin typeface="Aptos" panose="020B0004020202020204" pitchFamily="34" charset="0"/>
+              <a:cs typeface="Times New Roman" panose="02020603050405020304" pitchFamily="18" charset="0"/>
+            </a:endParaRPr>
+          </a:p>
+          <a:p>
+            <a:pPr>
+              <a:defRPr/>
+            </a:pPr>
+            <a:r>
+              <a:rPr lang="en-US" sz="1800" i="1" kern="100" dirty="0">
+                <a:effectLst/>
+                <a:latin typeface="Aptos" panose="020B0004020202020204" pitchFamily="34" charset="0"/>
+                <a:cs typeface="Times New Roman" panose="02020603050405020304" pitchFamily="18" charset="0"/>
+              </a:rPr>
+              <a:t>V11.1 Business Logic Security -&gt; ASVS V11.1.4 rate limiting/ for requests like file uploads</a:t>
+            </a:r>
+          </a:p>
+          <a:p>
+            <a:pPr marL="0" marR="0" lvl="0" indent="0" algn="l" defTabSz="914400" rtl="0" eaLnBrk="1" fontAlgn="auto" latinLnBrk="0" hangingPunct="1">
+              <a:lnSpc>
+                <a:spcPct val="120000"/>
+              </a:lnSpc>
+              <a:spcBef>
+                <a:spcPts val="1000"/>
+              </a:spcBef>
+              <a:spcAft>
+                <a:spcPts val="0"/>
+              </a:spcAft>
+              <a:buClrTx/>
+              <a:buSzTx/>
+              <a:buNone/>
+              <a:tabLst/>
+              <a:defRPr/>
+            </a:pPr>
+            <a:r>
+              <a:rPr lang="en-US" sz="1800" i="1" kern="100" dirty="0">
+                <a:effectLst/>
+                <a:latin typeface="Aptos" panose="020B0004020202020204" pitchFamily="34" charset="0"/>
+                <a:cs typeface="Times New Roman" panose="02020603050405020304" pitchFamily="18" charset="0"/>
+              </a:rPr>
+              <a:t>V12 File and Resources Verification -&gt; </a:t>
+            </a:r>
+            <a:endParaRPr lang="el-GR" sz="1800" i="1" kern="100" dirty="0">
+              <a:effectLst/>
+              <a:latin typeface="Aptos" panose="020B0004020202020204" pitchFamily="34" charset="0"/>
+              <a:cs typeface="Times New Roman" panose="02020603050405020304" pitchFamily="18" charset="0"/>
+            </a:endParaRPr>
+          </a:p>
+          <a:p>
+            <a:pPr>
+              <a:defRPr/>
+            </a:pPr>
+            <a:r>
+              <a:rPr lang="en-US" sz="1800" i="1" kern="100" dirty="0">
+                <a:effectLst/>
+                <a:latin typeface="Aptos" panose="020B0004020202020204" pitchFamily="34" charset="0"/>
+                <a:cs typeface="Times New Roman" panose="02020603050405020304" pitchFamily="18" charset="0"/>
+              </a:rPr>
+              <a:t>V12.1 File Upload -&gt; ASVS V12.1.1 don’t accept large files that could cause dos</a:t>
+            </a:r>
+          </a:p>
+          <a:p>
+            <a:pPr>
+              <a:defRPr/>
+            </a:pPr>
+            <a:r>
+              <a:rPr lang="en-US" sz="1800" i="1" kern="100" dirty="0">
+                <a:effectLst/>
+                <a:latin typeface="Aptos" panose="020B0004020202020204" pitchFamily="34" charset="0"/>
+                <a:cs typeface="Times New Roman" panose="02020603050405020304" pitchFamily="18" charset="0"/>
+              </a:rPr>
+              <a:t>V12.2 File Integrity  -&gt; ASVS V12.2.1 validate the file type</a:t>
+            </a:r>
+          </a:p>
+        </p:txBody>
+      </p:sp>
     </p:spTree>
     <p:extLst>
       <p:ext uri="{BB962C8B-B14F-4D97-AF65-F5344CB8AC3E}">
@@ -32098,28 +32213,6 @@
 <file path=ppt/slides/slide13.xml><?xml version="1.0" encoding="utf-8"?>
 <p:sld xmlns:a="http://schemas.openxmlformats.org/drawingml/2006/main" xmlns:r="http://schemas.openxmlformats.org/officeDocument/2006/relationships" xmlns:p="http://schemas.openxmlformats.org/presentationml/2006/main">
   <p:cSld>
-    <p:bg>
-      <p:bgPr>
-        <a:blipFill rotWithShape="1">
-          <a:blip r:embed="rId2">
-            <a:duotone>
-              <a:schemeClr val="bg2">
-                <a:shade val="18000"/>
-                <a:satMod val="160000"/>
-                <a:lumMod val="28000"/>
-              </a:schemeClr>
-              <a:schemeClr val="bg2">
-                <a:tint val="95000"/>
-                <a:satMod val="160000"/>
-                <a:lumMod val="116000"/>
-              </a:schemeClr>
-            </a:duotone>
-          </a:blip>
-          <a:stretch/>
-        </a:blipFill>
-        <a:effectLst/>
-      </p:bgPr>
-    </p:bg>
     <p:spTree>
       <p:nvGrpSpPr>
         <p:cNvPr id="1" name=""/>
@@ -32174,7 +32267,7 @@
             <p:ph idx="1"/>
             <p:extLst>
               <p:ext uri="{D42A27DB-BD31-4B8C-83A1-F6EECF244321}">
-                <p14:modId xmlns:p14="http://schemas.microsoft.com/office/powerpoint/2010/main" val="3310420393"/>
+                <p14:modId xmlns:p14="http://schemas.microsoft.com/office/powerpoint/2010/main" val="1641044844"/>
               </p:ext>
             </p:extLst>
           </p:nvPr>
@@ -32185,7 +32278,7 @@
         </p:xfrm>
         <a:graphic>
           <a:graphicData uri="http://schemas.openxmlformats.org/drawingml/2006/diagram">
-            <dgm:relIds xmlns:dgm="http://schemas.openxmlformats.org/drawingml/2006/diagram" xmlns:r="http://schemas.openxmlformats.org/officeDocument/2006/relationships" r:dm="rId3" r:lo="rId4" r:qs="rId5" r:cs="rId6"/>
+            <dgm:relIds xmlns:dgm="http://schemas.openxmlformats.org/drawingml/2006/diagram" xmlns:r="http://schemas.openxmlformats.org/officeDocument/2006/relationships" r:dm="rId2" r:lo="rId3" r:qs="rId4" r:cs="rId5"/>
           </a:graphicData>
         </a:graphic>
       </p:graphicFrame>
@@ -32200,28 +32293,6 @@
 <file path=ppt/slides/slide14.xml><?xml version="1.0" encoding="utf-8"?>
 <p:sld xmlns:a="http://schemas.openxmlformats.org/drawingml/2006/main" xmlns:r="http://schemas.openxmlformats.org/officeDocument/2006/relationships" xmlns:p="http://schemas.openxmlformats.org/presentationml/2006/main">
   <p:cSld>
-    <p:bg>
-      <p:bgPr>
-        <a:blipFill rotWithShape="1">
-          <a:blip r:embed="rId2">
-            <a:duotone>
-              <a:schemeClr val="bg2">
-                <a:shade val="18000"/>
-                <a:satMod val="160000"/>
-                <a:lumMod val="28000"/>
-              </a:schemeClr>
-              <a:schemeClr val="bg2">
-                <a:tint val="95000"/>
-                <a:satMod val="160000"/>
-                <a:lumMod val="116000"/>
-              </a:schemeClr>
-            </a:duotone>
-          </a:blip>
-          <a:stretch/>
-        </a:blipFill>
-        <a:effectLst/>
-      </p:bgPr>
-    </p:bg>
     <p:spTree>
       <p:nvGrpSpPr>
         <p:cNvPr id="1" name=""/>
@@ -32276,7 +32347,7 @@
             <p:ph idx="1"/>
             <p:extLst>
               <p:ext uri="{D42A27DB-BD31-4B8C-83A1-F6EECF244321}">
-                <p14:modId xmlns:p14="http://schemas.microsoft.com/office/powerpoint/2010/main" val="925086894"/>
+                <p14:modId xmlns:p14="http://schemas.microsoft.com/office/powerpoint/2010/main" val="3859791261"/>
               </p:ext>
             </p:extLst>
           </p:nvPr>
@@ -32287,7 +32358,7 @@
         </p:xfrm>
         <a:graphic>
           <a:graphicData uri="http://schemas.openxmlformats.org/drawingml/2006/diagram">
-            <dgm:relIds xmlns:dgm="http://schemas.openxmlformats.org/drawingml/2006/diagram" xmlns:r="http://schemas.openxmlformats.org/officeDocument/2006/relationships" r:dm="rId3" r:lo="rId4" r:qs="rId5" r:cs="rId6"/>
+            <dgm:relIds xmlns:dgm="http://schemas.openxmlformats.org/drawingml/2006/diagram" xmlns:r="http://schemas.openxmlformats.org/officeDocument/2006/relationships" r:dm="rId2" r:lo="rId3" r:qs="rId4" r:cs="rId5"/>
           </a:graphicData>
         </a:graphic>
       </p:graphicFrame>
@@ -32302,28 +32373,6 @@
 <file path=ppt/slides/slide15.xml><?xml version="1.0" encoding="utf-8"?>
 <p:sld xmlns:a="http://schemas.openxmlformats.org/drawingml/2006/main" xmlns:r="http://schemas.openxmlformats.org/officeDocument/2006/relationships" xmlns:p="http://schemas.openxmlformats.org/presentationml/2006/main">
   <p:cSld>
-    <p:bg>
-      <p:bgPr>
-        <a:blipFill rotWithShape="1">
-          <a:blip r:embed="rId2">
-            <a:duotone>
-              <a:schemeClr val="bg2">
-                <a:shade val="18000"/>
-                <a:satMod val="160000"/>
-                <a:lumMod val="28000"/>
-              </a:schemeClr>
-              <a:schemeClr val="bg2">
-                <a:tint val="95000"/>
-                <a:satMod val="160000"/>
-                <a:lumMod val="116000"/>
-              </a:schemeClr>
-            </a:duotone>
-          </a:blip>
-          <a:stretch/>
-        </a:blipFill>
-        <a:effectLst/>
-      </p:bgPr>
-    </p:bg>
     <p:spTree>
       <p:nvGrpSpPr>
         <p:cNvPr id="1" name=""/>
@@ -32388,13 +32437,13 @@
           <p:nvPr/>
         </p:nvPicPr>
         <p:blipFill>
-          <a:blip r:embed="rId3">
+          <a:blip r:embed="rId2">
             <a:extLst>
               <a:ext uri="{28A0092B-C50C-407E-A947-70E740481C1C}">
                 <a14:useLocalDpi xmlns:a14="http://schemas.microsoft.com/office/drawing/2010/main" val="0"/>
               </a:ext>
               <a:ext uri="{96DAC541-7B7A-43D3-8B79-37D633B846F1}">
-                <asvg:svgBlip xmlns:asvg="http://schemas.microsoft.com/office/drawing/2016/SVG/main" r:embed="rId4"/>
+                <asvg:svgBlip xmlns:asvg="http://schemas.microsoft.com/office/drawing/2016/SVG/main" r:embed="rId3"/>
               </a:ext>
             </a:extLst>
           </a:blip>
@@ -32558,28 +32607,6 @@
 <file path=ppt/slides/slide2.xml><?xml version="1.0" encoding="utf-8"?>
 <p:sld xmlns:a="http://schemas.openxmlformats.org/drawingml/2006/main" xmlns:r="http://schemas.openxmlformats.org/officeDocument/2006/relationships" xmlns:p="http://schemas.openxmlformats.org/presentationml/2006/main">
   <p:cSld>
-    <p:bg>
-      <p:bgPr>
-        <a:blipFill rotWithShape="1">
-          <a:blip r:embed="rId2">
-            <a:duotone>
-              <a:schemeClr val="bg2">
-                <a:shade val="18000"/>
-                <a:satMod val="160000"/>
-                <a:lumMod val="28000"/>
-              </a:schemeClr>
-              <a:schemeClr val="bg2">
-                <a:tint val="95000"/>
-                <a:satMod val="160000"/>
-                <a:lumMod val="116000"/>
-              </a:schemeClr>
-            </a:duotone>
-          </a:blip>
-          <a:stretch/>
-        </a:blipFill>
-        <a:effectLst/>
-      </p:bgPr>
-    </p:bg>
     <p:spTree>
       <p:nvGrpSpPr>
         <p:cNvPr id="1" name=""/>
@@ -32656,7 +32683,7 @@
         </p:xfrm>
         <a:graphic>
           <a:graphicData uri="http://schemas.openxmlformats.org/drawingml/2006/diagram">
-            <dgm:relIds xmlns:dgm="http://schemas.openxmlformats.org/drawingml/2006/diagram" xmlns:r="http://schemas.openxmlformats.org/officeDocument/2006/relationships" r:dm="rId3" r:lo="rId4" r:qs="rId5" r:cs="rId6"/>
+            <dgm:relIds xmlns:dgm="http://schemas.openxmlformats.org/drawingml/2006/diagram" xmlns:r="http://schemas.openxmlformats.org/officeDocument/2006/relationships" r:dm="rId2" r:lo="rId3" r:qs="rId4" r:cs="rId5"/>
           </a:graphicData>
         </a:graphic>
       </p:graphicFrame>
@@ -32676,28 +32703,6 @@
 <file path=ppt/slides/slide3.xml><?xml version="1.0" encoding="utf-8"?>
 <p:sld xmlns:a="http://schemas.openxmlformats.org/drawingml/2006/main" xmlns:r="http://schemas.openxmlformats.org/officeDocument/2006/relationships" xmlns:p="http://schemas.openxmlformats.org/presentationml/2006/main">
   <p:cSld>
-    <p:bg>
-      <p:bgPr>
-        <a:blipFill rotWithShape="1">
-          <a:blip r:embed="rId2">
-            <a:duotone>
-              <a:schemeClr val="bg2">
-                <a:shade val="18000"/>
-                <a:satMod val="160000"/>
-                <a:lumMod val="28000"/>
-              </a:schemeClr>
-              <a:schemeClr val="bg2">
-                <a:tint val="95000"/>
-                <a:satMod val="160000"/>
-                <a:lumMod val="116000"/>
-              </a:schemeClr>
-            </a:duotone>
-          </a:blip>
-          <a:stretch/>
-        </a:blipFill>
-        <a:effectLst/>
-      </p:bgPr>
-    </p:bg>
     <p:spTree>
       <p:nvGrpSpPr>
         <p:cNvPr id="1" name=""/>
@@ -32768,7 +32773,7 @@
         </p:xfrm>
         <a:graphic>
           <a:graphicData uri="http://schemas.openxmlformats.org/drawingml/2006/diagram">
-            <dgm:relIds xmlns:dgm="http://schemas.openxmlformats.org/drawingml/2006/diagram" xmlns:r="http://schemas.openxmlformats.org/officeDocument/2006/relationships" r:dm="rId3" r:lo="rId4" r:qs="rId5" r:cs="rId6"/>
+            <dgm:relIds xmlns:dgm="http://schemas.openxmlformats.org/drawingml/2006/diagram" xmlns:r="http://schemas.openxmlformats.org/officeDocument/2006/relationships" r:dm="rId2" r:lo="rId3" r:qs="rId4" r:cs="rId5"/>
           </a:graphicData>
         </a:graphic>
       </p:graphicFrame>
@@ -33034,28 +33039,6 @@
 <file path=ppt/slides/slide6.xml><?xml version="1.0" encoding="utf-8"?>
 <p:sld xmlns:a="http://schemas.openxmlformats.org/drawingml/2006/main" xmlns:r="http://schemas.openxmlformats.org/officeDocument/2006/relationships" xmlns:p="http://schemas.openxmlformats.org/presentationml/2006/main">
   <p:cSld>
-    <p:bg>
-      <p:bgPr>
-        <a:blipFill rotWithShape="1">
-          <a:blip r:embed="rId2">
-            <a:duotone>
-              <a:schemeClr val="bg2">
-                <a:shade val="18000"/>
-                <a:satMod val="160000"/>
-                <a:lumMod val="28000"/>
-              </a:schemeClr>
-              <a:schemeClr val="bg2">
-                <a:tint val="95000"/>
-                <a:satMod val="160000"/>
-                <a:lumMod val="116000"/>
-              </a:schemeClr>
-            </a:duotone>
-          </a:blip>
-          <a:stretch/>
-        </a:blipFill>
-        <a:effectLst/>
-      </p:bgPr>
-    </p:bg>
     <p:spTree>
       <p:nvGrpSpPr>
         <p:cNvPr id="1" name=""/>
@@ -33121,7 +33104,7 @@
         </p:xfrm>
         <a:graphic>
           <a:graphicData uri="http://schemas.openxmlformats.org/drawingml/2006/diagram">
-            <dgm:relIds xmlns:dgm="http://schemas.openxmlformats.org/drawingml/2006/diagram" xmlns:r="http://schemas.openxmlformats.org/officeDocument/2006/relationships" r:dm="rId3" r:lo="rId4" r:qs="rId5" r:cs="rId6"/>
+            <dgm:relIds xmlns:dgm="http://schemas.openxmlformats.org/drawingml/2006/diagram" xmlns:r="http://schemas.openxmlformats.org/officeDocument/2006/relationships" r:dm="rId2" r:lo="rId3" r:qs="rId4" r:cs="rId5"/>
           </a:graphicData>
         </a:graphic>
       </p:graphicFrame>
@@ -33134,108 +33117,6 @@
 </file>
 
 <file path=ppt/slides/slide7.xml><?xml version="1.0" encoding="utf-8"?>
-<p:sld xmlns:a="http://schemas.openxmlformats.org/drawingml/2006/main" xmlns:r="http://schemas.openxmlformats.org/officeDocument/2006/relationships" xmlns:p="http://schemas.openxmlformats.org/presentationml/2006/main">
-  <p:cSld>
-    <p:bg>
-      <p:bgPr>
-        <a:blipFill rotWithShape="1">
-          <a:blip r:embed="rId2">
-            <a:duotone>
-              <a:schemeClr val="bg2">
-                <a:shade val="18000"/>
-                <a:satMod val="160000"/>
-                <a:lumMod val="28000"/>
-              </a:schemeClr>
-              <a:schemeClr val="bg2">
-                <a:tint val="95000"/>
-                <a:satMod val="160000"/>
-                <a:lumMod val="116000"/>
-              </a:schemeClr>
-            </a:duotone>
-          </a:blip>
-          <a:stretch/>
-        </a:blipFill>
-        <a:effectLst/>
-      </p:bgPr>
-    </p:bg>
-    <p:spTree>
-      <p:nvGrpSpPr>
-        <p:cNvPr id="1" name=""/>
-        <p:cNvGrpSpPr/>
-        <p:nvPr/>
-      </p:nvGrpSpPr>
-      <p:grpSpPr>
-        <a:xfrm>
-          <a:off x="0" y="0"/>
-          <a:ext cx="0" cy="0"/>
-          <a:chOff x="0" y="0"/>
-          <a:chExt cx="0" cy="0"/>
-        </a:xfrm>
-      </p:grpSpPr>
-      <p:sp>
-        <p:nvSpPr>
-          <p:cNvPr id="2" name="Title 1"/>
-          <p:cNvSpPr>
-            <a:spLocks noGrp="1"/>
-          </p:cNvSpPr>
-          <p:nvPr>
-            <p:ph type="title"/>
-          </p:nvPr>
-        </p:nvSpPr>
-        <p:spPr/>
-        <p:txBody>
-          <a:bodyPr vert="horz" lIns="91440" tIns="45720" rIns="91440" bIns="45720" rtlCol="0" anchor="ctr">
-            <a:normAutofit/>
-          </a:bodyPr>
-          <a:lstStyle/>
-          <a:p>
-            <a:r>
-              <a:rPr lang="en-US"/>
-              <a:t>DREAD Risk Scoring</a:t>
-            </a:r>
-          </a:p>
-        </p:txBody>
-      </p:sp>
-      <p:graphicFrame>
-        <p:nvGraphicFramePr>
-          <p:cNvPr id="6" name="Content Placeholder 2">
-            <a:extLst>
-              <a:ext uri="{FF2B5EF4-FFF2-40B4-BE49-F238E27FC236}">
-                <a16:creationId xmlns:a16="http://schemas.microsoft.com/office/drawing/2014/main" id="{42F16576-4E7A-843F-C8D7-9ABBBED3D431}"/>
-              </a:ext>
-            </a:extLst>
-          </p:cNvPr>
-          <p:cNvGraphicFramePr>
-            <a:graphicFrameLocks noGrp="1"/>
-          </p:cNvGraphicFramePr>
-          <p:nvPr>
-            <p:ph idx="1"/>
-            <p:extLst>
-              <p:ext uri="{D42A27DB-BD31-4B8C-83A1-F6EECF244321}">
-                <p14:modId xmlns:p14="http://schemas.microsoft.com/office/powerpoint/2010/main" val="2168588424"/>
-              </p:ext>
-            </p:extLst>
-          </p:nvPr>
-        </p:nvGraphicFramePr>
-        <p:xfrm>
-          <a:off x="685800" y="2095500"/>
-          <a:ext cx="7764463" cy="3695700"/>
-        </p:xfrm>
-        <a:graphic>
-          <a:graphicData uri="http://schemas.openxmlformats.org/drawingml/2006/diagram">
-            <dgm:relIds xmlns:dgm="http://schemas.openxmlformats.org/drawingml/2006/diagram" xmlns:r="http://schemas.openxmlformats.org/officeDocument/2006/relationships" r:dm="rId3" r:lo="rId4" r:qs="rId5" r:cs="rId6"/>
-          </a:graphicData>
-        </a:graphic>
-      </p:graphicFrame>
-    </p:spTree>
-  </p:cSld>
-  <p:clrMapOvr>
-    <a:masterClrMapping/>
-  </p:clrMapOvr>
-</p:sld>
-</file>
-
-<file path=ppt/slides/slide8.xml><?xml version="1.0" encoding="utf-8"?>
 <p:sld xmlns:a="http://schemas.openxmlformats.org/drawingml/2006/main" xmlns:r="http://schemas.openxmlformats.org/officeDocument/2006/relationships" xmlns:p="http://schemas.openxmlformats.org/presentationml/2006/main">
   <p:cSld>
     <p:spTree>
@@ -33306,6 +33187,11 @@
           <a:bodyPr/>
           <a:lstStyle/>
           <a:p>
+            <a:pPr>
+              <a:buClr>
+                <a:schemeClr val="tx1"/>
+              </a:buClr>
+            </a:pPr>
             <a:r>
               <a:rPr lang="en-US" b="1" dirty="0">
                 <a:solidFill>
@@ -33318,8 +33204,18 @@
               <a:rPr lang="en-US" dirty="0"/>
               <a:t>poofing: Teacher User Spoofing</a:t>
             </a:r>
+            <a:r>
+              <a:rPr lang="el-GR" dirty="0"/>
+              <a:t> </a:t>
+            </a:r>
+            <a:endParaRPr lang="en-US" dirty="0"/>
           </a:p>
           <a:p>
+            <a:pPr>
+              <a:buClr>
+                <a:schemeClr val="tx1"/>
+              </a:buClr>
+            </a:pPr>
             <a:r>
               <a:rPr lang="en-US" b="1" dirty="0">
                 <a:solidFill>
@@ -33334,6 +33230,11 @@
             </a:r>
           </a:p>
           <a:p>
+            <a:pPr>
+              <a:buClr>
+                <a:schemeClr val="tx1"/>
+              </a:buClr>
+            </a:pPr>
             <a:r>
               <a:rPr lang="en-US" b="1" dirty="0">
                 <a:solidFill>
@@ -33348,6 +33249,11 @@
             </a:r>
           </a:p>
           <a:p>
+            <a:pPr>
+              <a:buClr>
+                <a:schemeClr val="tx1"/>
+              </a:buClr>
+            </a:pPr>
             <a:r>
               <a:rPr lang="en-US" b="1" dirty="0">
                 <a:solidFill>
@@ -33362,6 +33268,11 @@
             </a:r>
           </a:p>
           <a:p>
+            <a:pPr>
+              <a:buClr>
+                <a:schemeClr val="tx1"/>
+              </a:buClr>
+            </a:pPr>
             <a:r>
               <a:rPr lang="en-US" b="1" dirty="0">
                 <a:solidFill>
@@ -33376,6 +33287,11 @@
             </a:r>
           </a:p>
           <a:p>
+            <a:pPr>
+              <a:buClr>
+                <a:schemeClr val="tx1"/>
+              </a:buClr>
+            </a:pPr>
             <a:r>
               <a:rPr lang="en-US" b="1" dirty="0">
                 <a:solidFill>
@@ -33397,6 +33313,86 @@
         <p14:creationId xmlns:p14="http://schemas.microsoft.com/office/powerpoint/2010/main" val="3058997372"/>
       </p:ext>
     </p:extLst>
+  </p:cSld>
+  <p:clrMapOvr>
+    <a:masterClrMapping/>
+  </p:clrMapOvr>
+</p:sld>
+</file>
+
+<file path=ppt/slides/slide8.xml><?xml version="1.0" encoding="utf-8"?>
+<p:sld xmlns:a="http://schemas.openxmlformats.org/drawingml/2006/main" xmlns:r="http://schemas.openxmlformats.org/officeDocument/2006/relationships" xmlns:p="http://schemas.openxmlformats.org/presentationml/2006/main">
+  <p:cSld>
+    <p:spTree>
+      <p:nvGrpSpPr>
+        <p:cNvPr id="1" name=""/>
+        <p:cNvGrpSpPr/>
+        <p:nvPr/>
+      </p:nvGrpSpPr>
+      <p:grpSpPr>
+        <a:xfrm>
+          <a:off x="0" y="0"/>
+          <a:ext cx="0" cy="0"/>
+          <a:chOff x="0" y="0"/>
+          <a:chExt cx="0" cy="0"/>
+        </a:xfrm>
+      </p:grpSpPr>
+      <p:sp>
+        <p:nvSpPr>
+          <p:cNvPr id="2" name="Title 1"/>
+          <p:cNvSpPr>
+            <a:spLocks noGrp="1"/>
+          </p:cNvSpPr>
+          <p:nvPr>
+            <p:ph type="title"/>
+          </p:nvPr>
+        </p:nvSpPr>
+        <p:spPr/>
+        <p:txBody>
+          <a:bodyPr vert="horz" lIns="91440" tIns="45720" rIns="91440" bIns="45720" rtlCol="0" anchor="ctr">
+            <a:normAutofit/>
+          </a:bodyPr>
+          <a:lstStyle/>
+          <a:p>
+            <a:r>
+              <a:rPr lang="en-US"/>
+              <a:t>DREAD Risk Scoring</a:t>
+            </a:r>
+          </a:p>
+        </p:txBody>
+      </p:sp>
+      <p:graphicFrame>
+        <p:nvGraphicFramePr>
+          <p:cNvPr id="6" name="Content Placeholder 2">
+            <a:extLst>
+              <a:ext uri="{FF2B5EF4-FFF2-40B4-BE49-F238E27FC236}">
+                <a16:creationId xmlns:a16="http://schemas.microsoft.com/office/drawing/2014/main" id="{42F16576-4E7A-843F-C8D7-9ABBBED3D431}"/>
+              </a:ext>
+            </a:extLst>
+          </p:cNvPr>
+          <p:cNvGraphicFramePr>
+            <a:graphicFrameLocks noGrp="1"/>
+          </p:cNvGraphicFramePr>
+          <p:nvPr>
+            <p:ph idx="1"/>
+            <p:extLst>
+              <p:ext uri="{D42A27DB-BD31-4B8C-83A1-F6EECF244321}">
+                <p14:modId xmlns:p14="http://schemas.microsoft.com/office/powerpoint/2010/main" val="2335506305"/>
+              </p:ext>
+            </p:extLst>
+          </p:nvPr>
+        </p:nvGraphicFramePr>
+        <p:xfrm>
+          <a:off x="685800" y="2095500"/>
+          <a:ext cx="7764463" cy="3695700"/>
+        </p:xfrm>
+        <a:graphic>
+          <a:graphicData uri="http://schemas.openxmlformats.org/drawingml/2006/diagram">
+            <dgm:relIds xmlns:dgm="http://schemas.openxmlformats.org/drawingml/2006/diagram" xmlns:r="http://schemas.openxmlformats.org/officeDocument/2006/relationships" r:dm="rId2" r:lo="rId3" r:qs="rId4" r:cs="rId5"/>
+          </a:graphicData>
+        </a:graphic>
+      </p:graphicFrame>
+    </p:spTree>
   </p:cSld>
   <p:clrMapOvr>
     <a:masterClrMapping/>
@@ -33526,7 +33522,15 @@
             </a:pPr>
             <a:r>
               <a:rPr dirty="0"/>
-              <a:t>• Teacher Escalation: High (38.5 DREAD Score)</a:t>
+              <a:t>• Teacher Escalation: High (3</a:t>
+            </a:r>
+            <a:r>
+              <a:rPr lang="en-US" dirty="0"/>
+              <a:t>9</a:t>
+            </a:r>
+            <a:r>
+              <a:rPr dirty="0"/>
+              <a:t>.5 DREAD Score)</a:t>
             </a:r>
             <a:endParaRPr lang="en-US" dirty="0"/>
           </a:p>
